--- a/Statistical Modeling with Python.pptx
+++ b/Statistical Modeling with Python.pptx
@@ -12,11 +12,13 @@
     <p:sldId id="259" r:id="rId6"/>
     <p:sldId id="268" r:id="rId7"/>
     <p:sldId id="262" r:id="rId8"/>
-    <p:sldId id="263" r:id="rId9"/>
-    <p:sldId id="265" r:id="rId10"/>
-    <p:sldId id="266" r:id="rId11"/>
-    <p:sldId id="264" r:id="rId12"/>
-    <p:sldId id="267" r:id="rId13"/>
+    <p:sldId id="269" r:id="rId9"/>
+    <p:sldId id="263" r:id="rId10"/>
+    <p:sldId id="265" r:id="rId11"/>
+    <p:sldId id="266" r:id="rId12"/>
+    <p:sldId id="264" r:id="rId13"/>
+    <p:sldId id="267" r:id="rId14"/>
+    <p:sldId id="270" r:id="rId15"/>
   </p:sldIdLst>
   <p:sldSz cx="12192000" cy="6858000"/>
   <p:notesSz cx="6858000" cy="9144000"/>
@@ -127,14 +129,19 @@
             <p14:sldId id="259"/>
             <p14:sldId id="268"/>
             <p14:sldId id="262"/>
+            <p14:sldId id="269"/>
             <p14:sldId id="263"/>
             <p14:sldId id="265"/>
             <p14:sldId id="266"/>
             <p14:sldId id="264"/>
             <p14:sldId id="267"/>
+            <p14:sldId id="270"/>
           </p14:sldIdLst>
         </p14:section>
       </p14:sectionLst>
+    </p:ext>
+    <p:ext uri="{EFAFB233-063F-42B5-8137-9DF3F51BA10A}">
+      <p15:sldGuideLst xmlns:p15="http://schemas.microsoft.com/office/powerpoint/2012/main"/>
     </p:ext>
   </p:extLst>
 </p:presentation>
@@ -288,7 +295,7 @@
           <a:p>
             <a:fld id="{073D55F9-11A3-4523-8F38-6BA37933791A}" type="datetime1">
               <a:rPr lang="en-US" smtClean="0"/>
-              <a:t>10/21/2023</a:t>
+              <a:t>10/22/2023</a:t>
             </a:fld>
             <a:endParaRPr lang="en-US"/>
           </a:p>
@@ -490,7 +497,7 @@
           <a:p>
             <a:fld id="{0B4E757A-3EC2-4683-9080-1A460C37C843}" type="datetime1">
               <a:rPr lang="en-US" smtClean="0"/>
-              <a:t>10/21/2023</a:t>
+              <a:t>10/22/2023</a:t>
             </a:fld>
             <a:endParaRPr lang="en-US"/>
           </a:p>
@@ -706,7 +713,7 @@
           <a:p>
             <a:fld id="{5CC8096C-64ED-4153-A483-5C02E44AD5C3}" type="datetime1">
               <a:rPr lang="en-US" smtClean="0"/>
-              <a:t>10/21/2023</a:t>
+              <a:t>10/22/2023</a:t>
             </a:fld>
             <a:endParaRPr lang="en-US" dirty="0"/>
           </a:p>
@@ -939,7 +946,7 @@
           <a:p>
             <a:fld id="{1CB9D56B-6EBE-4E5F-99D9-2A3DBDF37D0A}" type="datetime1">
               <a:rPr lang="en-US" smtClean="0"/>
-              <a:t>10/21/2023</a:t>
+              <a:t>10/22/2023</a:t>
             </a:fld>
             <a:endParaRPr lang="en-US"/>
           </a:p>
@@ -1216,7 +1223,7 @@
           <a:p>
             <a:fld id="{8C33F3CA-C7E3-432D-9282-18F13836509A}" type="datetime1">
               <a:rPr lang="en-US" smtClean="0"/>
-              <a:t>10/21/2023</a:t>
+              <a:t>10/22/2023</a:t>
             </a:fld>
             <a:endParaRPr lang="en-US" dirty="0"/>
           </a:p>
@@ -1486,7 +1493,7 @@
           <a:p>
             <a:fld id="{75BE9C62-1337-40B8-BA50-E9F4861DB4BC}" type="datetime1">
               <a:rPr lang="en-US" smtClean="0"/>
-              <a:t>10/21/2023</a:t>
+              <a:t>10/22/2023</a:t>
             </a:fld>
             <a:endParaRPr lang="en-US"/>
           </a:p>
@@ -1903,7 +1910,7 @@
           <a:p>
             <a:fld id="{47C195EB-2DA3-4B24-8725-19BC22A7BE50}" type="datetime1">
               <a:rPr lang="en-US" smtClean="0"/>
-              <a:t>10/21/2023</a:t>
+              <a:t>10/22/2023</a:t>
             </a:fld>
             <a:endParaRPr lang="en-US"/>
           </a:p>
@@ -2048,7 +2055,7 @@
           <a:p>
             <a:fld id="{F4E237E6-0076-4915-A5A8-B7C11FA4F374}" type="datetime1">
               <a:rPr lang="en-US" smtClean="0"/>
-              <a:t>10/21/2023</a:t>
+              <a:t>10/22/2023</a:t>
             </a:fld>
             <a:endParaRPr lang="en-US"/>
           </a:p>
@@ -2164,7 +2171,7 @@
           <a:p>
             <a:fld id="{3505F58F-C0B5-422A-8E5A-6B99E5D80F0A}" type="datetime1">
               <a:rPr lang="en-US" smtClean="0"/>
-              <a:t>10/21/2023</a:t>
+              <a:t>10/22/2023</a:t>
             </a:fld>
             <a:endParaRPr lang="en-US"/>
           </a:p>
@@ -2480,7 +2487,7 @@
           <a:p>
             <a:fld id="{7565E655-9687-48DF-A33F-F8824CCCB5D1}" type="datetime1">
               <a:rPr lang="en-US" smtClean="0"/>
-              <a:t>10/21/2023</a:t>
+              <a:t>10/22/2023</a:t>
             </a:fld>
             <a:endParaRPr lang="en-US"/>
           </a:p>
@@ -2776,7 +2783,7 @@
           <a:p>
             <a:fld id="{B97FD56A-AAB8-4544-A495-D0645413C9E3}" type="datetime1">
               <a:rPr lang="en-US" smtClean="0"/>
-              <a:t>10/21/2023</a:t>
+              <a:t>10/22/2023</a:t>
             </a:fld>
             <a:endParaRPr lang="en-US"/>
           </a:p>
@@ -4597,7 +4604,7 @@
             <a:fld id="{193BAB95-8DA7-460B-B00A-7037C8394FB0}" type="datetime1">
               <a:rPr lang="en-US" smtClean="0"/>
               <a:pPr/>
-              <a:t>10/21/2023</a:t>
+              <a:t>10/22/2023</a:t>
             </a:fld>
             <a:endParaRPr lang="en-US" dirty="0"/>
           </a:p>
@@ -7257,6 +7264,439 @@
           <a:p>
             <a:r>
               <a:rPr lang="en-CA" dirty="0"/>
+              <a:t>Forward Selection: Step 2</a:t>
+            </a:r>
+          </a:p>
+        </p:txBody>
+      </p:sp>
+      <p:sp>
+        <p:nvSpPr>
+          <p:cNvPr id="3" name="Content Placeholder 2">
+            <a:extLst>
+              <a:ext uri="{FF2B5EF4-FFF2-40B4-BE49-F238E27FC236}">
+                <a16:creationId xmlns:a16="http://schemas.microsoft.com/office/drawing/2014/main" id="{C926F912-8C69-A0E4-93C9-BC6D3C829BCD}"/>
+              </a:ext>
+            </a:extLst>
+          </p:cNvPr>
+          <p:cNvSpPr>
+            <a:spLocks noGrp="1"/>
+          </p:cNvSpPr>
+          <p:nvPr>
+            <p:ph idx="1"/>
+          </p:nvPr>
+        </p:nvSpPr>
+        <p:spPr/>
+        <p:txBody>
+          <a:bodyPr>
+            <a:normAutofit/>
+          </a:bodyPr>
+          <a:lstStyle/>
+          <a:p>
+            <a:r>
+              <a:rPr lang="en-CA" dirty="0"/>
+              <a:t>Step 2:  “# outdoor” and:</a:t>
+            </a:r>
+          </a:p>
+        </p:txBody>
+      </p:sp>
+      <p:graphicFrame>
+        <p:nvGraphicFramePr>
+          <p:cNvPr id="4" name="Table 3">
+            <a:extLst>
+              <a:ext uri="{FF2B5EF4-FFF2-40B4-BE49-F238E27FC236}">
+                <a16:creationId xmlns:a16="http://schemas.microsoft.com/office/drawing/2014/main" id="{9C2145AF-CAD0-B29F-F730-339325D4AA4A}"/>
+              </a:ext>
+            </a:extLst>
+          </p:cNvPr>
+          <p:cNvGraphicFramePr>
+            <a:graphicFrameLocks noGrp="1"/>
+          </p:cNvGraphicFramePr>
+          <p:nvPr>
+            <p:extLst>
+              <p:ext uri="{D42A27DB-BD31-4B8C-83A1-F6EECF244321}">
+                <p14:modId xmlns:p14="http://schemas.microsoft.com/office/powerpoint/2010/main" val="4061828565"/>
+              </p:ext>
+            </p:extLst>
+          </p:nvPr>
+        </p:nvGraphicFramePr>
+        <p:xfrm>
+          <a:off x="780175" y="2461965"/>
+          <a:ext cx="7047684" cy="2834640"/>
+        </p:xfrm>
+        <a:graphic>
+          <a:graphicData uri="http://schemas.openxmlformats.org/drawingml/2006/table">
+            <a:tbl>
+              <a:tblPr firstRow="1" bandRow="1">
+                <a:tableStyleId>{5C22544A-7EE6-4342-B048-85BDC9FD1C3A}</a:tableStyleId>
+              </a:tblPr>
+              <a:tblGrid>
+                <a:gridCol w="3523842">
+                  <a:extLst>
+                    <a:ext uri="{9D8B030D-6E8A-4147-A177-3AD203B41FA5}">
+                      <a16:colId xmlns:a16="http://schemas.microsoft.com/office/drawing/2014/main" val="37992778"/>
+                    </a:ext>
+                  </a:extLst>
+                </a:gridCol>
+                <a:gridCol w="3523842">
+                  <a:extLst>
+                    <a:ext uri="{9D8B030D-6E8A-4147-A177-3AD203B41FA5}">
+                      <a16:colId xmlns:a16="http://schemas.microsoft.com/office/drawing/2014/main" val="2160272003"/>
+                    </a:ext>
+                  </a:extLst>
+                </a:gridCol>
+              </a:tblGrid>
+              <a:tr h="565802">
+                <a:tc>
+                  <a:txBody>
+                    <a:bodyPr/>
+                    <a:lstStyle/>
+                    <a:p>
+                      <a:r>
+                        <a:rPr lang="en-CA" dirty="0"/>
+                        <a:t>Candidates for additional x</a:t>
+                      </a:r>
+                      <a:br>
+                        <a:rPr lang="en-CA" dirty="0"/>
+                      </a:br>
+                      <a:r>
+                        <a:rPr lang="en-CA" dirty="0"/>
+                        <a:t>(all within 1 km radius)</a:t>
+                      </a:r>
+                    </a:p>
+                  </a:txBody>
+                  <a:tcPr/>
+                </a:tc>
+                <a:tc>
+                  <a:txBody>
+                    <a:bodyPr/>
+                    <a:lstStyle/>
+                    <a:p>
+                      <a:r>
+                        <a:rPr lang="en-CA" dirty="0"/>
+                        <a:t>Adjusted R Squared</a:t>
+                      </a:r>
+                    </a:p>
+                  </a:txBody>
+                  <a:tcPr/>
+                </a:tc>
+                <a:extLst>
+                  <a:ext uri="{0D108BD9-81ED-4DB2-BD59-A6C34878D82A}">
+                    <a16:rowId xmlns:a16="http://schemas.microsoft.com/office/drawing/2014/main" val="3890636265"/>
+                  </a:ext>
+                </a:extLst>
+              </a:tr>
+              <a:tr h="327806">
+                <a:tc>
+                  <a:txBody>
+                    <a:bodyPr/>
+                    <a:lstStyle/>
+                    <a:p>
+                      <a:r>
+                        <a:rPr lang="en-CA" dirty="0"/>
+                        <a:t># </a:t>
+                      </a:r>
+                      <a:r>
+                        <a:rPr lang="en-CA" dirty="0" err="1"/>
+                        <a:t>accoms</a:t>
+                      </a:r>
+                      <a:endParaRPr lang="en-CA" dirty="0"/>
+                    </a:p>
+                  </a:txBody>
+                  <a:tcPr/>
+                </a:tc>
+                <a:tc>
+                  <a:txBody>
+                    <a:bodyPr/>
+                    <a:lstStyle/>
+                    <a:p>
+                      <a:r>
+                        <a:rPr lang="en-CA" dirty="0"/>
+                        <a:t>0.081</a:t>
+                      </a:r>
+                    </a:p>
+                  </a:txBody>
+                  <a:tcPr/>
+                </a:tc>
+                <a:extLst>
+                  <a:ext uri="{0D108BD9-81ED-4DB2-BD59-A6C34878D82A}">
+                    <a16:rowId xmlns:a16="http://schemas.microsoft.com/office/drawing/2014/main" val="3149747660"/>
+                  </a:ext>
+                </a:extLst>
+              </a:tr>
+              <a:tr h="327806">
+                <a:tc>
+                  <a:txBody>
+                    <a:bodyPr/>
+                    <a:lstStyle/>
+                    <a:p>
+                      <a:r>
+                        <a:rPr lang="en-CA" dirty="0"/>
+                        <a:t># </a:t>
+                      </a:r>
+                      <a:r>
+                        <a:rPr lang="en-CA" dirty="0" err="1"/>
+                        <a:t>biketrail</a:t>
+                      </a:r>
+                      <a:endParaRPr lang="en-CA" dirty="0"/>
+                    </a:p>
+                  </a:txBody>
+                  <a:tcPr/>
+                </a:tc>
+                <a:tc>
+                  <a:txBody>
+                    <a:bodyPr/>
+                    <a:lstStyle/>
+                    <a:p>
+                      <a:r>
+                        <a:rPr lang="en-CA" dirty="0"/>
+                        <a:t>0.080</a:t>
+                      </a:r>
+                    </a:p>
+                  </a:txBody>
+                  <a:tcPr/>
+                </a:tc>
+                <a:extLst>
+                  <a:ext uri="{0D108BD9-81ED-4DB2-BD59-A6C34878D82A}">
+                    <a16:rowId xmlns:a16="http://schemas.microsoft.com/office/drawing/2014/main" val="1217681240"/>
+                  </a:ext>
+                </a:extLst>
+              </a:tr>
+              <a:tr h="327806">
+                <a:tc>
+                  <a:txBody>
+                    <a:bodyPr/>
+                    <a:lstStyle/>
+                    <a:p>
+                      <a:r>
+                        <a:rPr lang="en-CA" dirty="0"/>
+                        <a:t># park</a:t>
+                      </a:r>
+                    </a:p>
+                  </a:txBody>
+                  <a:tcPr/>
+                </a:tc>
+                <a:tc>
+                  <a:txBody>
+                    <a:bodyPr/>
+                    <a:lstStyle/>
+                    <a:p>
+                      <a:r>
+                        <a:rPr lang="en-CA" dirty="0"/>
+                        <a:t>0.088</a:t>
+                      </a:r>
+                    </a:p>
+                  </a:txBody>
+                  <a:tcPr/>
+                </a:tc>
+                <a:extLst>
+                  <a:ext uri="{0D108BD9-81ED-4DB2-BD59-A6C34878D82A}">
+                    <a16:rowId xmlns:a16="http://schemas.microsoft.com/office/drawing/2014/main" val="2672040529"/>
+                  </a:ext>
+                </a:extLst>
+              </a:tr>
+              <a:tr h="327806">
+                <a:tc>
+                  <a:txBody>
+                    <a:bodyPr/>
+                    <a:lstStyle/>
+                    <a:p>
+                      <a:r>
+                        <a:rPr lang="en-CA" dirty="0"/>
+                        <a:t># sightsee</a:t>
+                      </a:r>
+                    </a:p>
+                  </a:txBody>
+                  <a:tcPr/>
+                </a:tc>
+                <a:tc>
+                  <a:txBody>
+                    <a:bodyPr/>
+                    <a:lstStyle/>
+                    <a:p>
+                      <a:r>
+                        <a:rPr lang="en-CA" dirty="0"/>
+                        <a:t>0.077</a:t>
+                      </a:r>
+                    </a:p>
+                  </a:txBody>
+                  <a:tcPr/>
+                </a:tc>
+                <a:extLst>
+                  <a:ext uri="{0D108BD9-81ED-4DB2-BD59-A6C34878D82A}">
+                    <a16:rowId xmlns:a16="http://schemas.microsoft.com/office/drawing/2014/main" val="2323637407"/>
+                  </a:ext>
+                </a:extLst>
+              </a:tr>
+              <a:tr h="327806">
+                <a:tc>
+                  <a:txBody>
+                    <a:bodyPr/>
+                    <a:lstStyle/>
+                    <a:p>
+                      <a:r>
+                        <a:rPr lang="en-CA" dirty="0"/>
+                        <a:t># snack</a:t>
+                      </a:r>
+                    </a:p>
+                  </a:txBody>
+                  <a:tcPr/>
+                </a:tc>
+                <a:tc>
+                  <a:txBody>
+                    <a:bodyPr/>
+                    <a:lstStyle/>
+                    <a:p>
+                      <a:r>
+                        <a:rPr lang="en-CA" dirty="0">
+                          <a:solidFill>
+                            <a:srgbClr val="FF0000"/>
+                          </a:solidFill>
+                        </a:rPr>
+                        <a:t>0.100</a:t>
+                      </a:r>
+                    </a:p>
+                  </a:txBody>
+                  <a:tcPr/>
+                </a:tc>
+                <a:extLst>
+                  <a:ext uri="{0D108BD9-81ED-4DB2-BD59-A6C34878D82A}">
+                    <a16:rowId xmlns:a16="http://schemas.microsoft.com/office/drawing/2014/main" val="2933632137"/>
+                  </a:ext>
+                </a:extLst>
+              </a:tr>
+              <a:tr h="327806">
+                <a:tc>
+                  <a:txBody>
+                    <a:bodyPr/>
+                    <a:lstStyle/>
+                    <a:p>
+                      <a:r>
+                        <a:rPr lang="en-CA" dirty="0" err="1"/>
+                        <a:t>min_distance</a:t>
+                      </a:r>
+                      <a:r>
+                        <a:rPr lang="en-CA" dirty="0"/>
+                        <a:t> to nearest POI</a:t>
+                      </a:r>
+                    </a:p>
+                  </a:txBody>
+                  <a:tcPr/>
+                </a:tc>
+                <a:tc>
+                  <a:txBody>
+                    <a:bodyPr/>
+                    <a:lstStyle/>
+                    <a:p>
+                      <a:r>
+                        <a:rPr lang="en-CA" dirty="0"/>
+                        <a:t>0.083</a:t>
+                      </a:r>
+                    </a:p>
+                  </a:txBody>
+                  <a:tcPr/>
+                </a:tc>
+                <a:extLst>
+                  <a:ext uri="{0D108BD9-81ED-4DB2-BD59-A6C34878D82A}">
+                    <a16:rowId xmlns:a16="http://schemas.microsoft.com/office/drawing/2014/main" val="1651942425"/>
+                  </a:ext>
+                </a:extLst>
+              </a:tr>
+            </a:tbl>
+          </a:graphicData>
+        </a:graphic>
+      </p:graphicFrame>
+      <p:sp>
+        <p:nvSpPr>
+          <p:cNvPr id="5" name="TextBox 4">
+            <a:extLst>
+              <a:ext uri="{FF2B5EF4-FFF2-40B4-BE49-F238E27FC236}">
+                <a16:creationId xmlns:a16="http://schemas.microsoft.com/office/drawing/2014/main" id="{249D272B-6F75-9B2E-04EB-B1A493149648}"/>
+              </a:ext>
+            </a:extLst>
+          </p:cNvPr>
+          <p:cNvSpPr txBox="1"/>
+          <p:nvPr/>
+        </p:nvSpPr>
+        <p:spPr>
+          <a:xfrm>
+            <a:off x="385894" y="5942568"/>
+            <a:ext cx="2589812" cy="369332"/>
+          </a:xfrm>
+          <a:prstGeom prst="rect">
+            <a:avLst/>
+          </a:prstGeom>
+          <a:noFill/>
+        </p:spPr>
+        <p:txBody>
+          <a:bodyPr wrap="none" rtlCol="0">
+            <a:spAutoFit/>
+          </a:bodyPr>
+          <a:lstStyle/>
+          <a:p>
+            <a:r>
+              <a:rPr lang="en-CA" dirty="0">
+                <a:solidFill>
+                  <a:srgbClr val="002060"/>
+                </a:solidFill>
+              </a:rPr>
+              <a:t>Best Last Adj R2: 0.100</a:t>
+            </a:r>
+          </a:p>
+        </p:txBody>
+      </p:sp>
+    </p:spTree>
+    <p:extLst>
+      <p:ext uri="{BB962C8B-B14F-4D97-AF65-F5344CB8AC3E}">
+        <p14:creationId xmlns:p14="http://schemas.microsoft.com/office/powerpoint/2010/main" val="1470355721"/>
+      </p:ext>
+    </p:extLst>
+  </p:cSld>
+  <p:clrMapOvr>
+    <a:masterClrMapping/>
+  </p:clrMapOvr>
+</p:sld>
+</file>
+
+<file path=ppt/slides/slide11.xml><?xml version="1.0" encoding="utf-8"?>
+<p:sld xmlns:a="http://schemas.openxmlformats.org/drawingml/2006/main" xmlns:r="http://schemas.openxmlformats.org/officeDocument/2006/relationships" xmlns:p="http://schemas.openxmlformats.org/presentationml/2006/main">
+  <p:cSld>
+    <p:spTree>
+      <p:nvGrpSpPr>
+        <p:cNvPr id="1" name=""/>
+        <p:cNvGrpSpPr/>
+        <p:nvPr/>
+      </p:nvGrpSpPr>
+      <p:grpSpPr>
+        <a:xfrm>
+          <a:off x="0" y="0"/>
+          <a:ext cx="0" cy="0"/>
+          <a:chOff x="0" y="0"/>
+          <a:chExt cx="0" cy="0"/>
+        </a:xfrm>
+      </p:grpSpPr>
+      <p:sp>
+        <p:nvSpPr>
+          <p:cNvPr id="2" name="Title 1">
+            <a:extLst>
+              <a:ext uri="{FF2B5EF4-FFF2-40B4-BE49-F238E27FC236}">
+                <a16:creationId xmlns:a16="http://schemas.microsoft.com/office/drawing/2014/main" id="{2CC0D884-D999-6001-16BE-0FA5511FCC82}"/>
+              </a:ext>
+            </a:extLst>
+          </p:cNvPr>
+          <p:cNvSpPr>
+            <a:spLocks noGrp="1"/>
+          </p:cNvSpPr>
+          <p:nvPr>
+            <p:ph type="title"/>
+          </p:nvPr>
+        </p:nvSpPr>
+        <p:spPr/>
+        <p:txBody>
+          <a:bodyPr/>
+          <a:lstStyle/>
+          <a:p>
+            <a:r>
+              <a:rPr lang="en-CA" dirty="0"/>
               <a:t>Forward Selection: Step 3</a:t>
             </a:r>
           </a:p>
@@ -7592,7 +8032,7 @@
             <a:r>
               <a:rPr lang="en-CA" dirty="0">
                 <a:solidFill>
-                  <a:srgbClr val="FF0000"/>
+                  <a:srgbClr val="002060"/>
                 </a:solidFill>
               </a:rPr>
               <a:t>Best Last Adj R2: 0.100</a:t>
@@ -7623,7 +8063,7 @@
           <a:noFill/>
           <a:ln>
             <a:solidFill>
-              <a:srgbClr val="FF0000"/>
+              <a:srgbClr val="FFFF00"/>
             </a:solidFill>
           </a:ln>
         </p:spPr>
@@ -7683,7 +8123,7 @@
             <a:r>
               <a:rPr lang="en-CA" dirty="0">
                 <a:solidFill>
-                  <a:srgbClr val="FF0000"/>
+                  <a:srgbClr val="FFFF00"/>
                 </a:solidFill>
               </a:rPr>
               <a:t>Not much better – so stop adding variables!</a:t>
@@ -7828,7 +8268,7 @@
 </p:sld>
 </file>
 
-<file path=ppt/slides/slide11.xml><?xml version="1.0" encoding="utf-8"?>
+<file path=ppt/slides/slide12.xml><?xml version="1.0" encoding="utf-8"?>
 <p:sld xmlns:a="http://schemas.openxmlformats.org/drawingml/2006/main" xmlns:r="http://schemas.openxmlformats.org/officeDocument/2006/relationships" xmlns:p="http://schemas.openxmlformats.org/presentationml/2006/main">
   <p:cSld>
     <p:spTree>
@@ -7873,6 +8313,281 @@
           </a:p>
         </p:txBody>
       </p:sp>
+      <p:sp>
+        <p:nvSpPr>
+          <p:cNvPr id="8" name="Content Placeholder 2">
+            <a:extLst>
+              <a:ext uri="{FF2B5EF4-FFF2-40B4-BE49-F238E27FC236}">
+                <a16:creationId xmlns:a16="http://schemas.microsoft.com/office/drawing/2014/main" id="{6D9E215F-FC1A-1A6C-9B5F-0D677A8021FD}"/>
+              </a:ext>
+            </a:extLst>
+          </p:cNvPr>
+          <p:cNvSpPr txBox="1">
+            <a:spLocks/>
+          </p:cNvSpPr>
+          <p:nvPr/>
+        </p:nvSpPr>
+        <p:spPr>
+          <a:xfrm>
+            <a:off x="7079565" y="1352252"/>
+            <a:ext cx="4994989" cy="2293046"/>
+          </a:xfrm>
+          <a:prstGeom prst="rect">
+            <a:avLst/>
+          </a:prstGeom>
+        </p:spPr>
+        <p:txBody>
+          <a:bodyPr vert="horz" lIns="91440" tIns="45720" rIns="91440" bIns="45720" rtlCol="0">
+            <a:normAutofit lnSpcReduction="10000"/>
+          </a:bodyPr>
+          <a:lstStyle>
+            <a:lvl1pPr marL="228600" indent="-228600" algn="l" defTabSz="914400" rtl="0" eaLnBrk="1" latinLnBrk="0" hangingPunct="1">
+              <a:lnSpc>
+                <a:spcPct val="110000"/>
+              </a:lnSpc>
+              <a:spcBef>
+                <a:spcPts val="1000"/>
+              </a:spcBef>
+              <a:buClr>
+                <a:schemeClr val="bg1"/>
+              </a:buClr>
+              <a:buSzPct val="75000"/>
+              <a:buFont typeface="Arial" panose="020B0604020202020204" pitchFamily="34" charset="0"/>
+              <a:buChar char="•"/>
+              <a:defRPr sz="2800" kern="1200">
+                <a:solidFill>
+                  <a:srgbClr val="FFFFFF"/>
+                </a:solidFill>
+                <a:latin typeface="+mn-lt"/>
+                <a:ea typeface="+mn-ea"/>
+                <a:cs typeface="+mn-cs"/>
+              </a:defRPr>
+            </a:lvl1pPr>
+            <a:lvl2pPr marL="228600" indent="-228600" algn="l" defTabSz="914400" rtl="0" eaLnBrk="1" latinLnBrk="0" hangingPunct="1">
+              <a:lnSpc>
+                <a:spcPct val="110000"/>
+              </a:lnSpc>
+              <a:spcBef>
+                <a:spcPts val="500"/>
+              </a:spcBef>
+              <a:buClr>
+                <a:schemeClr val="bg1"/>
+              </a:buClr>
+              <a:buSzPct val="75000"/>
+              <a:buFont typeface="Arial" panose="020B0604020202020204" pitchFamily="34" charset="0"/>
+              <a:buChar char="•"/>
+              <a:defRPr sz="2400" kern="1200">
+                <a:solidFill>
+                  <a:srgbClr val="FFFFFF"/>
+                </a:solidFill>
+                <a:latin typeface="+mn-lt"/>
+                <a:ea typeface="+mn-ea"/>
+                <a:cs typeface="+mn-cs"/>
+              </a:defRPr>
+            </a:lvl2pPr>
+            <a:lvl3pPr marL="228600" indent="-228600" algn="l" defTabSz="914400" rtl="0" eaLnBrk="1" latinLnBrk="0" hangingPunct="1">
+              <a:lnSpc>
+                <a:spcPct val="110000"/>
+              </a:lnSpc>
+              <a:spcBef>
+                <a:spcPts val="500"/>
+              </a:spcBef>
+              <a:buClr>
+                <a:schemeClr val="bg1"/>
+              </a:buClr>
+              <a:buSzPct val="75000"/>
+              <a:buFont typeface="Arial" panose="020B0604020202020204" pitchFamily="34" charset="0"/>
+              <a:buChar char="•"/>
+              <a:defRPr sz="2000" kern="1200">
+                <a:solidFill>
+                  <a:srgbClr val="FFFFFF"/>
+                </a:solidFill>
+                <a:latin typeface="+mn-lt"/>
+                <a:ea typeface="+mn-ea"/>
+                <a:cs typeface="+mn-cs"/>
+              </a:defRPr>
+            </a:lvl3pPr>
+            <a:lvl4pPr marL="228600" indent="-228600" algn="l" defTabSz="914400" rtl="0" eaLnBrk="1" latinLnBrk="0" hangingPunct="1">
+              <a:lnSpc>
+                <a:spcPct val="110000"/>
+              </a:lnSpc>
+              <a:spcBef>
+                <a:spcPts val="500"/>
+              </a:spcBef>
+              <a:buClr>
+                <a:schemeClr val="bg1"/>
+              </a:buClr>
+              <a:buSzPct val="75000"/>
+              <a:buFont typeface="Arial" panose="020B0604020202020204" pitchFamily="34" charset="0"/>
+              <a:buChar char="•"/>
+              <a:defRPr sz="1800" kern="1200">
+                <a:solidFill>
+                  <a:srgbClr val="FFFFFF"/>
+                </a:solidFill>
+                <a:latin typeface="+mn-lt"/>
+                <a:ea typeface="+mn-ea"/>
+                <a:cs typeface="+mn-cs"/>
+              </a:defRPr>
+            </a:lvl4pPr>
+            <a:lvl5pPr marL="228600" indent="-228600" algn="l" defTabSz="914400" rtl="0" eaLnBrk="1" latinLnBrk="0" hangingPunct="1">
+              <a:lnSpc>
+                <a:spcPct val="110000"/>
+              </a:lnSpc>
+              <a:spcBef>
+                <a:spcPts val="500"/>
+              </a:spcBef>
+              <a:buClr>
+                <a:schemeClr val="bg1"/>
+              </a:buClr>
+              <a:buSzPct val="75000"/>
+              <a:buFont typeface="Arial" panose="020B0604020202020204" pitchFamily="34" charset="0"/>
+              <a:buChar char="•"/>
+              <a:defRPr sz="1800" kern="1200">
+                <a:solidFill>
+                  <a:srgbClr val="FFFFFF"/>
+                </a:solidFill>
+                <a:latin typeface="+mn-lt"/>
+                <a:ea typeface="+mn-ea"/>
+                <a:cs typeface="+mn-cs"/>
+              </a:defRPr>
+            </a:lvl5pPr>
+            <a:lvl6pPr marL="2514600" indent="-228600" algn="l" defTabSz="914400" rtl="0" eaLnBrk="1" latinLnBrk="0" hangingPunct="1">
+              <a:lnSpc>
+                <a:spcPct val="90000"/>
+              </a:lnSpc>
+              <a:spcBef>
+                <a:spcPts val="500"/>
+              </a:spcBef>
+              <a:buFont typeface="Arial" panose="020B0604020202020204" pitchFamily="34" charset="0"/>
+              <a:buChar char="•"/>
+              <a:defRPr sz="1800" kern="1200">
+                <a:solidFill>
+                  <a:schemeClr val="tx1"/>
+                </a:solidFill>
+                <a:latin typeface="+mn-lt"/>
+                <a:ea typeface="+mn-ea"/>
+                <a:cs typeface="+mn-cs"/>
+              </a:defRPr>
+            </a:lvl6pPr>
+            <a:lvl7pPr marL="2971800" indent="-228600" algn="l" defTabSz="914400" rtl="0" eaLnBrk="1" latinLnBrk="0" hangingPunct="1">
+              <a:lnSpc>
+                <a:spcPct val="90000"/>
+              </a:lnSpc>
+              <a:spcBef>
+                <a:spcPts val="500"/>
+              </a:spcBef>
+              <a:buFont typeface="Arial" panose="020B0604020202020204" pitchFamily="34" charset="0"/>
+              <a:buChar char="•"/>
+              <a:defRPr sz="1800" kern="1200">
+                <a:solidFill>
+                  <a:schemeClr val="tx1"/>
+                </a:solidFill>
+                <a:latin typeface="+mn-lt"/>
+                <a:ea typeface="+mn-ea"/>
+                <a:cs typeface="+mn-cs"/>
+              </a:defRPr>
+            </a:lvl7pPr>
+            <a:lvl8pPr marL="3429000" indent="-228600" algn="l" defTabSz="914400" rtl="0" eaLnBrk="1" latinLnBrk="0" hangingPunct="1">
+              <a:lnSpc>
+                <a:spcPct val="90000"/>
+              </a:lnSpc>
+              <a:spcBef>
+                <a:spcPts val="500"/>
+              </a:spcBef>
+              <a:buFont typeface="Arial" panose="020B0604020202020204" pitchFamily="34" charset="0"/>
+              <a:buChar char="•"/>
+              <a:defRPr sz="1800" kern="1200">
+                <a:solidFill>
+                  <a:schemeClr val="tx1"/>
+                </a:solidFill>
+                <a:latin typeface="+mn-lt"/>
+                <a:ea typeface="+mn-ea"/>
+                <a:cs typeface="+mn-cs"/>
+              </a:defRPr>
+            </a:lvl8pPr>
+            <a:lvl9pPr marL="3886200" indent="-228600" algn="l" defTabSz="914400" rtl="0" eaLnBrk="1" latinLnBrk="0" hangingPunct="1">
+              <a:lnSpc>
+                <a:spcPct val="90000"/>
+              </a:lnSpc>
+              <a:spcBef>
+                <a:spcPts val="500"/>
+              </a:spcBef>
+              <a:buFont typeface="Arial" panose="020B0604020202020204" pitchFamily="34" charset="0"/>
+              <a:buChar char="•"/>
+              <a:defRPr sz="1800" kern="1200">
+                <a:solidFill>
+                  <a:schemeClr val="tx1"/>
+                </a:solidFill>
+                <a:latin typeface="+mn-lt"/>
+                <a:ea typeface="+mn-ea"/>
+                <a:cs typeface="+mn-cs"/>
+              </a:defRPr>
+            </a:lvl9pPr>
+          </a:lstStyle>
+          <a:p>
+            <a:pPr marL="0" lvl="2" indent="0">
+              <a:buNone/>
+            </a:pPr>
+            <a:r>
+              <a:rPr lang="en-CA" dirty="0"/>
+              <a:t>Adj. R</a:t>
+            </a:r>
+            <a:r>
+              <a:rPr lang="en-CA" baseline="30000" dirty="0"/>
+              <a:t>2</a:t>
+            </a:r>
+            <a:r>
+              <a:rPr lang="en-CA" dirty="0"/>
+              <a:t> = 0.100 means:</a:t>
+            </a:r>
+          </a:p>
+          <a:p>
+            <a:pPr lvl="2"/>
+            <a:r>
+              <a:rPr lang="en-CA" dirty="0"/>
+              <a:t>Variation in Y not much explained by variation in X</a:t>
+            </a:r>
+          </a:p>
+          <a:p>
+            <a:pPr lvl="2"/>
+            <a:r>
+              <a:rPr lang="en-CA" b="1" dirty="0"/>
+              <a:t>Model not a good fit to data</a:t>
+            </a:r>
+          </a:p>
+          <a:p>
+            <a:pPr lvl="2"/>
+            <a:r>
+              <a:rPr lang="en-CA" dirty="0"/>
+              <a:t>Other factors not included in model contribute to variation in Y</a:t>
+            </a:r>
+          </a:p>
+          <a:p>
+            <a:pPr marL="0" lvl="2" indent="0">
+              <a:buNone/>
+            </a:pPr>
+            <a:endParaRPr lang="en-CA" dirty="0">
+              <a:sym typeface="Wingdings" panose="05000000000000000000" pitchFamily="2" charset="2"/>
+            </a:endParaRPr>
+          </a:p>
+          <a:p>
+            <a:pPr marL="0" lvl="2" indent="0">
+              <a:buNone/>
+            </a:pPr>
+            <a:endParaRPr lang="en-CA" dirty="0">
+              <a:sym typeface="Wingdings" panose="05000000000000000000" pitchFamily="2" charset="2"/>
+            </a:endParaRPr>
+          </a:p>
+          <a:p>
+            <a:pPr marL="0" lvl="2" indent="0">
+              <a:buNone/>
+            </a:pPr>
+            <a:endParaRPr lang="en-CA" dirty="0">
+              <a:sym typeface="Wingdings" panose="05000000000000000000" pitchFamily="2" charset="2"/>
+            </a:endParaRPr>
+          </a:p>
+        </p:txBody>
+      </p:sp>
       <p:pic>
         <p:nvPicPr>
           <p:cNvPr id="7" name="Content Placeholder 6">
@@ -7897,7 +8612,7 @@
         </p:blipFill>
         <p:spPr>
           <a:xfrm>
-            <a:off x="7221824" y="4238018"/>
+            <a:off x="7179879" y="4255102"/>
             <a:ext cx="3066802" cy="968464"/>
           </a:xfrm>
         </p:spPr>
@@ -7932,12 +8647,42 @@
           </a:prstGeom>
         </p:spPr>
       </p:pic>
+      <p:pic>
+        <p:nvPicPr>
+          <p:cNvPr id="10" name="Picture 9">
+            <a:extLst>
+              <a:ext uri="{FF2B5EF4-FFF2-40B4-BE49-F238E27FC236}">
+                <a16:creationId xmlns:a16="http://schemas.microsoft.com/office/drawing/2014/main" id="{A3429ED1-90E2-A747-CBA5-8ADFD1D8484D}"/>
+              </a:ext>
+            </a:extLst>
+          </p:cNvPr>
+          <p:cNvPicPr>
+            <a:picLocks noChangeAspect="1"/>
+          </p:cNvPicPr>
+          <p:nvPr/>
+        </p:nvPicPr>
+        <p:blipFill>
+          <a:blip r:embed="rId4"/>
+          <a:stretch>
+            <a:fillRect/>
+          </a:stretch>
+        </p:blipFill>
+        <p:spPr>
+          <a:xfrm>
+            <a:off x="258148" y="6345217"/>
+            <a:ext cx="11675704" cy="352774"/>
+          </a:xfrm>
+          <a:prstGeom prst="rect">
+            <a:avLst/>
+          </a:prstGeom>
+        </p:spPr>
+      </p:pic>
       <p:sp>
         <p:nvSpPr>
-          <p:cNvPr id="8" name="Content Placeholder 2">
-            <a:extLst>
-              <a:ext uri="{FF2B5EF4-FFF2-40B4-BE49-F238E27FC236}">
-                <a16:creationId xmlns:a16="http://schemas.microsoft.com/office/drawing/2014/main" id="{6D9E215F-FC1A-1A6C-9B5F-0D677A8021FD}"/>
+          <p:cNvPr id="4" name="Content Placeholder 2">
+            <a:extLst>
+              <a:ext uri="{FF2B5EF4-FFF2-40B4-BE49-F238E27FC236}">
+                <a16:creationId xmlns:a16="http://schemas.microsoft.com/office/drawing/2014/main" id="{5FE015E0-1C0E-103E-C13E-EF436A5C37F6}"/>
               </a:ext>
             </a:extLst>
           </p:cNvPr>
@@ -7948,8 +8693,8 @@
         </p:nvSpPr>
         <p:spPr>
           <a:xfrm>
-            <a:off x="7097483" y="1489052"/>
-            <a:ext cx="4994989" cy="5091277"/>
+            <a:off x="7079564" y="3583833"/>
+            <a:ext cx="4994989" cy="748327"/>
           </a:xfrm>
           <a:prstGeom prst="rect">
             <a:avLst/>
@@ -8149,36 +8894,7 @@
             </a:pPr>
             <a:r>
               <a:rPr lang="en-CA" dirty="0"/>
-              <a:t>Adj. R2 = 0.100 means:</a:t>
-            </a:r>
-          </a:p>
-          <a:p>
-            <a:pPr lvl="2"/>
-            <a:r>
-              <a:rPr lang="en-CA" dirty="0"/>
-              <a:t>Variation in Y not much related to Variation in X</a:t>
-            </a:r>
-          </a:p>
-          <a:p>
-            <a:pPr lvl="2"/>
-            <a:r>
-              <a:rPr lang="en-CA" dirty="0"/>
-              <a:t>Model not a very good fit to data</a:t>
-            </a:r>
-          </a:p>
-          <a:p>
-            <a:pPr marL="0" lvl="2" indent="0">
-              <a:buNone/>
-            </a:pPr>
-            <a:endParaRPr lang="en-CA" dirty="0"/>
-          </a:p>
-          <a:p>
-            <a:pPr marL="0" lvl="2" indent="0">
-              <a:buNone/>
-            </a:pPr>
-            <a:r>
-              <a:rPr lang="en-CA" dirty="0"/>
-              <a:t>p-values for “# outdoor” and “# snack” &lt; 0.05 </a:t>
+              <a:t>p-values for “# outdoor”, “# snack”, y-intercept &lt; 0.05 </a:t>
             </a:r>
             <a:r>
               <a:rPr lang="en-CA" dirty="0">
@@ -8198,6 +8914,231 @@
               </a:rPr>
               <a:t> not 0</a:t>
             </a:r>
+          </a:p>
+        </p:txBody>
+      </p:sp>
+      <p:sp>
+        <p:nvSpPr>
+          <p:cNvPr id="3" name="Content Placeholder 2">
+            <a:extLst>
+              <a:ext uri="{FF2B5EF4-FFF2-40B4-BE49-F238E27FC236}">
+                <a16:creationId xmlns:a16="http://schemas.microsoft.com/office/drawing/2014/main" id="{7119563A-5C98-6766-641A-00ADBFCFD223}"/>
+              </a:ext>
+            </a:extLst>
+          </p:cNvPr>
+          <p:cNvSpPr txBox="1">
+            <a:spLocks/>
+          </p:cNvSpPr>
+          <p:nvPr/>
+        </p:nvSpPr>
+        <p:spPr>
+          <a:xfrm>
+            <a:off x="7079565" y="5833371"/>
+            <a:ext cx="1628207" cy="391935"/>
+          </a:xfrm>
+          <a:prstGeom prst="rect">
+            <a:avLst/>
+          </a:prstGeom>
+        </p:spPr>
+        <p:txBody>
+          <a:bodyPr vert="horz" lIns="91440" tIns="45720" rIns="91440" bIns="45720" rtlCol="0">
+            <a:normAutofit fontScale="92500" lnSpcReduction="10000"/>
+          </a:bodyPr>
+          <a:lstStyle>
+            <a:lvl1pPr marL="228600" indent="-228600" algn="l" defTabSz="914400" rtl="0" eaLnBrk="1" latinLnBrk="0" hangingPunct="1">
+              <a:lnSpc>
+                <a:spcPct val="110000"/>
+              </a:lnSpc>
+              <a:spcBef>
+                <a:spcPts val="1000"/>
+              </a:spcBef>
+              <a:buClr>
+                <a:schemeClr val="bg1"/>
+              </a:buClr>
+              <a:buSzPct val="75000"/>
+              <a:buFont typeface="Arial" panose="020B0604020202020204" pitchFamily="34" charset="0"/>
+              <a:buChar char="•"/>
+              <a:defRPr sz="2800" kern="1200">
+                <a:solidFill>
+                  <a:srgbClr val="FFFFFF"/>
+                </a:solidFill>
+                <a:latin typeface="+mn-lt"/>
+                <a:ea typeface="+mn-ea"/>
+                <a:cs typeface="+mn-cs"/>
+              </a:defRPr>
+            </a:lvl1pPr>
+            <a:lvl2pPr marL="228600" indent="-228600" algn="l" defTabSz="914400" rtl="0" eaLnBrk="1" latinLnBrk="0" hangingPunct="1">
+              <a:lnSpc>
+                <a:spcPct val="110000"/>
+              </a:lnSpc>
+              <a:spcBef>
+                <a:spcPts val="500"/>
+              </a:spcBef>
+              <a:buClr>
+                <a:schemeClr val="bg1"/>
+              </a:buClr>
+              <a:buSzPct val="75000"/>
+              <a:buFont typeface="Arial" panose="020B0604020202020204" pitchFamily="34" charset="0"/>
+              <a:buChar char="•"/>
+              <a:defRPr sz="2400" kern="1200">
+                <a:solidFill>
+                  <a:srgbClr val="FFFFFF"/>
+                </a:solidFill>
+                <a:latin typeface="+mn-lt"/>
+                <a:ea typeface="+mn-ea"/>
+                <a:cs typeface="+mn-cs"/>
+              </a:defRPr>
+            </a:lvl2pPr>
+            <a:lvl3pPr marL="228600" indent="-228600" algn="l" defTabSz="914400" rtl="0" eaLnBrk="1" latinLnBrk="0" hangingPunct="1">
+              <a:lnSpc>
+                <a:spcPct val="110000"/>
+              </a:lnSpc>
+              <a:spcBef>
+                <a:spcPts val="500"/>
+              </a:spcBef>
+              <a:buClr>
+                <a:schemeClr val="bg1"/>
+              </a:buClr>
+              <a:buSzPct val="75000"/>
+              <a:buFont typeface="Arial" panose="020B0604020202020204" pitchFamily="34" charset="0"/>
+              <a:buChar char="•"/>
+              <a:defRPr sz="2000" kern="1200">
+                <a:solidFill>
+                  <a:srgbClr val="FFFFFF"/>
+                </a:solidFill>
+                <a:latin typeface="+mn-lt"/>
+                <a:ea typeface="+mn-ea"/>
+                <a:cs typeface="+mn-cs"/>
+              </a:defRPr>
+            </a:lvl3pPr>
+            <a:lvl4pPr marL="228600" indent="-228600" algn="l" defTabSz="914400" rtl="0" eaLnBrk="1" latinLnBrk="0" hangingPunct="1">
+              <a:lnSpc>
+                <a:spcPct val="110000"/>
+              </a:lnSpc>
+              <a:spcBef>
+                <a:spcPts val="500"/>
+              </a:spcBef>
+              <a:buClr>
+                <a:schemeClr val="bg1"/>
+              </a:buClr>
+              <a:buSzPct val="75000"/>
+              <a:buFont typeface="Arial" panose="020B0604020202020204" pitchFamily="34" charset="0"/>
+              <a:buChar char="•"/>
+              <a:defRPr sz="1800" kern="1200">
+                <a:solidFill>
+                  <a:srgbClr val="FFFFFF"/>
+                </a:solidFill>
+                <a:latin typeface="+mn-lt"/>
+                <a:ea typeface="+mn-ea"/>
+                <a:cs typeface="+mn-cs"/>
+              </a:defRPr>
+            </a:lvl4pPr>
+            <a:lvl5pPr marL="228600" indent="-228600" algn="l" defTabSz="914400" rtl="0" eaLnBrk="1" latinLnBrk="0" hangingPunct="1">
+              <a:lnSpc>
+                <a:spcPct val="110000"/>
+              </a:lnSpc>
+              <a:spcBef>
+                <a:spcPts val="500"/>
+              </a:spcBef>
+              <a:buClr>
+                <a:schemeClr val="bg1"/>
+              </a:buClr>
+              <a:buSzPct val="75000"/>
+              <a:buFont typeface="Arial" panose="020B0604020202020204" pitchFamily="34" charset="0"/>
+              <a:buChar char="•"/>
+              <a:defRPr sz="1800" kern="1200">
+                <a:solidFill>
+                  <a:srgbClr val="FFFFFF"/>
+                </a:solidFill>
+                <a:latin typeface="+mn-lt"/>
+                <a:ea typeface="+mn-ea"/>
+                <a:cs typeface="+mn-cs"/>
+              </a:defRPr>
+            </a:lvl5pPr>
+            <a:lvl6pPr marL="2514600" indent="-228600" algn="l" defTabSz="914400" rtl="0" eaLnBrk="1" latinLnBrk="0" hangingPunct="1">
+              <a:lnSpc>
+                <a:spcPct val="90000"/>
+              </a:lnSpc>
+              <a:spcBef>
+                <a:spcPts val="500"/>
+              </a:spcBef>
+              <a:buFont typeface="Arial" panose="020B0604020202020204" pitchFamily="34" charset="0"/>
+              <a:buChar char="•"/>
+              <a:defRPr sz="1800" kern="1200">
+                <a:solidFill>
+                  <a:schemeClr val="tx1"/>
+                </a:solidFill>
+                <a:latin typeface="+mn-lt"/>
+                <a:ea typeface="+mn-ea"/>
+                <a:cs typeface="+mn-cs"/>
+              </a:defRPr>
+            </a:lvl6pPr>
+            <a:lvl7pPr marL="2971800" indent="-228600" algn="l" defTabSz="914400" rtl="0" eaLnBrk="1" latinLnBrk="0" hangingPunct="1">
+              <a:lnSpc>
+                <a:spcPct val="90000"/>
+              </a:lnSpc>
+              <a:spcBef>
+                <a:spcPts val="500"/>
+              </a:spcBef>
+              <a:buFont typeface="Arial" panose="020B0604020202020204" pitchFamily="34" charset="0"/>
+              <a:buChar char="•"/>
+              <a:defRPr sz="1800" kern="1200">
+                <a:solidFill>
+                  <a:schemeClr val="tx1"/>
+                </a:solidFill>
+                <a:latin typeface="+mn-lt"/>
+                <a:ea typeface="+mn-ea"/>
+                <a:cs typeface="+mn-cs"/>
+              </a:defRPr>
+            </a:lvl7pPr>
+            <a:lvl8pPr marL="3429000" indent="-228600" algn="l" defTabSz="914400" rtl="0" eaLnBrk="1" latinLnBrk="0" hangingPunct="1">
+              <a:lnSpc>
+                <a:spcPct val="90000"/>
+              </a:lnSpc>
+              <a:spcBef>
+                <a:spcPts val="500"/>
+              </a:spcBef>
+              <a:buFont typeface="Arial" panose="020B0604020202020204" pitchFamily="34" charset="0"/>
+              <a:buChar char="•"/>
+              <a:defRPr sz="1800" kern="1200">
+                <a:solidFill>
+                  <a:schemeClr val="tx1"/>
+                </a:solidFill>
+                <a:latin typeface="+mn-lt"/>
+                <a:ea typeface="+mn-ea"/>
+                <a:cs typeface="+mn-cs"/>
+              </a:defRPr>
+            </a:lvl8pPr>
+            <a:lvl9pPr marL="3886200" indent="-228600" algn="l" defTabSz="914400" rtl="0" eaLnBrk="1" latinLnBrk="0" hangingPunct="1">
+              <a:lnSpc>
+                <a:spcPct val="90000"/>
+              </a:lnSpc>
+              <a:spcBef>
+                <a:spcPts val="500"/>
+              </a:spcBef>
+              <a:buFont typeface="Arial" panose="020B0604020202020204" pitchFamily="34" charset="0"/>
+              <a:buChar char="•"/>
+              <a:defRPr sz="1800" kern="1200">
+                <a:solidFill>
+                  <a:schemeClr val="tx1"/>
+                </a:solidFill>
+                <a:latin typeface="+mn-lt"/>
+                <a:ea typeface="+mn-ea"/>
+                <a:cs typeface="+mn-cs"/>
+              </a:defRPr>
+            </a:lvl9pPr>
+          </a:lstStyle>
+          <a:p>
+            <a:pPr marL="0" lvl="2" indent="0">
+              <a:buNone/>
+            </a:pPr>
+            <a:r>
+              <a:rPr lang="en-CA" dirty="0"/>
+              <a:t>EQUATION:</a:t>
+            </a:r>
+            <a:endParaRPr lang="en-CA" dirty="0">
+              <a:sym typeface="Wingdings" panose="05000000000000000000" pitchFamily="2" charset="2"/>
+            </a:endParaRPr>
           </a:p>
           <a:p>
             <a:pPr marL="0" lvl="2" indent="0">
@@ -8231,50 +9172,216 @@
               <a:sym typeface="Wingdings" panose="05000000000000000000" pitchFamily="2" charset="2"/>
             </a:endParaRPr>
           </a:p>
-          <a:p>
-            <a:pPr marL="0" lvl="2" indent="0">
-              <a:buNone/>
-            </a:pPr>
-            <a:r>
-              <a:rPr lang="en-CA" dirty="0">
-                <a:sym typeface="Wingdings" panose="05000000000000000000" pitchFamily="2" charset="2"/>
-              </a:rPr>
-              <a:t>EQUATION:</a:t>
-            </a:r>
-            <a:endParaRPr lang="en-CA" dirty="0"/>
-          </a:p>
         </p:txBody>
       </p:sp>
-      <p:pic>
-        <p:nvPicPr>
-          <p:cNvPr id="10" name="Picture 9">
-            <a:extLst>
-              <a:ext uri="{FF2B5EF4-FFF2-40B4-BE49-F238E27FC236}">
-                <a16:creationId xmlns:a16="http://schemas.microsoft.com/office/drawing/2014/main" id="{A3429ED1-90E2-A747-CBA5-8ADFD1D8484D}"/>
-              </a:ext>
-            </a:extLst>
-          </p:cNvPr>
-          <p:cNvPicPr>
-            <a:picLocks noChangeAspect="1"/>
-          </p:cNvPicPr>
+      <p:sp>
+        <p:nvSpPr>
+          <p:cNvPr id="6" name="Rectangle 5">
+            <a:extLst>
+              <a:ext uri="{FF2B5EF4-FFF2-40B4-BE49-F238E27FC236}">
+                <a16:creationId xmlns:a16="http://schemas.microsoft.com/office/drawing/2014/main" id="{D8DFB690-CCF3-028F-5B21-328E553FB0D0}"/>
+              </a:ext>
+            </a:extLst>
+          </p:cNvPr>
+          <p:cNvSpPr/>
           <p:nvPr/>
-        </p:nvPicPr>
-        <p:blipFill>
-          <a:blip r:embed="rId4"/>
-          <a:stretch>
-            <a:fillRect/>
-          </a:stretch>
-        </p:blipFill>
+        </p:nvSpPr>
         <p:spPr>
           <a:xfrm>
-            <a:off x="258148" y="6345217"/>
-            <a:ext cx="11675704" cy="352774"/>
+            <a:off x="3537672" y="1949152"/>
+            <a:ext cx="3464807" cy="309954"/>
           </a:xfrm>
           <a:prstGeom prst="rect">
             <a:avLst/>
           </a:prstGeom>
+          <a:noFill/>
+          <a:ln w="57150">
+            <a:solidFill>
+              <a:srgbClr val="FFFF00"/>
+            </a:solidFill>
+          </a:ln>
         </p:spPr>
-      </p:pic>
+        <p:style>
+          <a:lnRef idx="2">
+            <a:schemeClr val="accent1">
+              <a:shade val="15000"/>
+            </a:schemeClr>
+          </a:lnRef>
+          <a:fillRef idx="1">
+            <a:schemeClr val="accent1"/>
+          </a:fillRef>
+          <a:effectRef idx="0">
+            <a:schemeClr val="accent1"/>
+          </a:effectRef>
+          <a:fontRef idx="minor">
+            <a:schemeClr val="lt1"/>
+          </a:fontRef>
+        </p:style>
+        <p:txBody>
+          <a:bodyPr rtlCol="0" anchor="ctr"/>
+          <a:lstStyle/>
+          <a:p>
+            <a:pPr algn="ctr"/>
+            <a:endParaRPr lang="en-CA"/>
+          </a:p>
+        </p:txBody>
+      </p:sp>
+      <p:sp>
+        <p:nvSpPr>
+          <p:cNvPr id="9" name="Rectangle 8">
+            <a:extLst>
+              <a:ext uri="{FF2B5EF4-FFF2-40B4-BE49-F238E27FC236}">
+                <a16:creationId xmlns:a16="http://schemas.microsoft.com/office/drawing/2014/main" id="{EEEB07DA-BB10-332E-E8A9-E2EDBD52E8DC}"/>
+              </a:ext>
+            </a:extLst>
+          </p:cNvPr>
+          <p:cNvSpPr/>
+          <p:nvPr/>
+        </p:nvSpPr>
+        <p:spPr>
+          <a:xfrm>
+            <a:off x="4159625" y="3810000"/>
+            <a:ext cx="977152" cy="1174376"/>
+          </a:xfrm>
+          <a:prstGeom prst="rect">
+            <a:avLst/>
+          </a:prstGeom>
+          <a:noFill/>
+          <a:ln w="57150">
+            <a:solidFill>
+              <a:srgbClr val="92D050"/>
+            </a:solidFill>
+          </a:ln>
+        </p:spPr>
+        <p:style>
+          <a:lnRef idx="2">
+            <a:schemeClr val="accent1">
+              <a:shade val="15000"/>
+            </a:schemeClr>
+          </a:lnRef>
+          <a:fillRef idx="1">
+            <a:schemeClr val="accent1"/>
+          </a:fillRef>
+          <a:effectRef idx="0">
+            <a:schemeClr val="accent1"/>
+          </a:effectRef>
+          <a:fontRef idx="minor">
+            <a:schemeClr val="lt1"/>
+          </a:fontRef>
+        </p:style>
+        <p:txBody>
+          <a:bodyPr rtlCol="0" anchor="ctr"/>
+          <a:lstStyle/>
+          <a:p>
+            <a:pPr algn="ctr"/>
+            <a:endParaRPr lang="en-CA"/>
+          </a:p>
+        </p:txBody>
+      </p:sp>
+      <p:sp>
+        <p:nvSpPr>
+          <p:cNvPr id="11" name="Rectangle 10">
+            <a:extLst>
+              <a:ext uri="{FF2B5EF4-FFF2-40B4-BE49-F238E27FC236}">
+                <a16:creationId xmlns:a16="http://schemas.microsoft.com/office/drawing/2014/main" id="{568831EC-22D8-83C1-51F7-9718531D447B}"/>
+              </a:ext>
+            </a:extLst>
+          </p:cNvPr>
+          <p:cNvSpPr/>
+          <p:nvPr/>
+        </p:nvSpPr>
+        <p:spPr>
+          <a:xfrm>
+            <a:off x="224004" y="4255102"/>
+            <a:ext cx="842796" cy="740156"/>
+          </a:xfrm>
+          <a:prstGeom prst="rect">
+            <a:avLst/>
+          </a:prstGeom>
+          <a:noFill/>
+          <a:ln w="57150">
+            <a:solidFill>
+              <a:srgbClr val="92D050"/>
+            </a:solidFill>
+          </a:ln>
+        </p:spPr>
+        <p:style>
+          <a:lnRef idx="2">
+            <a:schemeClr val="accent1">
+              <a:shade val="15000"/>
+            </a:schemeClr>
+          </a:lnRef>
+          <a:fillRef idx="1">
+            <a:schemeClr val="accent1"/>
+          </a:fillRef>
+          <a:effectRef idx="0">
+            <a:schemeClr val="accent1"/>
+          </a:effectRef>
+          <a:fontRef idx="minor">
+            <a:schemeClr val="lt1"/>
+          </a:fontRef>
+        </p:style>
+        <p:txBody>
+          <a:bodyPr rtlCol="0" anchor="ctr"/>
+          <a:lstStyle/>
+          <a:p>
+            <a:pPr algn="ctr"/>
+            <a:endParaRPr lang="en-CA"/>
+          </a:p>
+        </p:txBody>
+      </p:sp>
+      <p:sp>
+        <p:nvSpPr>
+          <p:cNvPr id="12" name="Rectangle 11">
+            <a:extLst>
+              <a:ext uri="{FF2B5EF4-FFF2-40B4-BE49-F238E27FC236}">
+                <a16:creationId xmlns:a16="http://schemas.microsoft.com/office/drawing/2014/main" id="{0061AAC1-BF91-6F61-4925-2F565F91F791}"/>
+              </a:ext>
+            </a:extLst>
+          </p:cNvPr>
+          <p:cNvSpPr/>
+          <p:nvPr/>
+        </p:nvSpPr>
+        <p:spPr>
+          <a:xfrm>
+            <a:off x="1354601" y="3810000"/>
+            <a:ext cx="977152" cy="1174376"/>
+          </a:xfrm>
+          <a:prstGeom prst="rect">
+            <a:avLst/>
+          </a:prstGeom>
+          <a:noFill/>
+          <a:ln w="57150">
+            <a:solidFill>
+              <a:srgbClr val="92D050"/>
+            </a:solidFill>
+          </a:ln>
+        </p:spPr>
+        <p:style>
+          <a:lnRef idx="2">
+            <a:schemeClr val="accent1">
+              <a:shade val="15000"/>
+            </a:schemeClr>
+          </a:lnRef>
+          <a:fillRef idx="1">
+            <a:schemeClr val="accent1"/>
+          </a:fillRef>
+          <a:effectRef idx="0">
+            <a:schemeClr val="accent1"/>
+          </a:effectRef>
+          <a:fontRef idx="minor">
+            <a:schemeClr val="lt1"/>
+          </a:fontRef>
+        </p:style>
+        <p:txBody>
+          <a:bodyPr rtlCol="0" anchor="ctr"/>
+          <a:lstStyle/>
+          <a:p>
+            <a:pPr algn="ctr"/>
+            <a:endParaRPr lang="en-CA"/>
+          </a:p>
+        </p:txBody>
+      </p:sp>
     </p:spTree>
     <p:extLst>
       <p:ext uri="{BB962C8B-B14F-4D97-AF65-F5344CB8AC3E}">
@@ -8306,7 +9413,7 @@
                             </p:stCondLst>
                             <p:childTnLst>
                               <p:par>
-                                <p:cTn id="5" presetID="10" presetClass="entr" presetSubtype="0" fill="hold" nodeType="clickEffect">
+                                <p:cTn id="5" presetID="1" presetClass="entr" presetSubtype="0" fill="hold" grpId="0" nodeType="clickEffect">
                                   <p:stCondLst>
                                     <p:cond delay="0"/>
                                   </p:stCondLst>
@@ -8314,6 +9421,294 @@
                                     <p:set>
                                       <p:cBhvr>
                                         <p:cTn id="6" dur="1" fill="hold">
+                                          <p:stCondLst>
+                                            <p:cond delay="0"/>
+                                          </p:stCondLst>
+                                        </p:cTn>
+                                        <p:tgtEl>
+                                          <p:spTgt spid="6"/>
+                                        </p:tgtEl>
+                                        <p:attrNameLst>
+                                          <p:attrName>style.visibility</p:attrName>
+                                        </p:attrNameLst>
+                                      </p:cBhvr>
+                                      <p:to>
+                                        <p:strVal val="visible"/>
+                                      </p:to>
+                                    </p:set>
+                                  </p:childTnLst>
+                                </p:cTn>
+                              </p:par>
+                            </p:childTnLst>
+                          </p:cTn>
+                        </p:par>
+                      </p:childTnLst>
+                    </p:cTn>
+                  </p:par>
+                  <p:par>
+                    <p:cTn id="7" fill="hold">
+                      <p:stCondLst>
+                        <p:cond delay="indefinite"/>
+                      </p:stCondLst>
+                      <p:childTnLst>
+                        <p:par>
+                          <p:cTn id="8" fill="hold">
+                            <p:stCondLst>
+                              <p:cond delay="0"/>
+                            </p:stCondLst>
+                            <p:childTnLst>
+                              <p:par>
+                                <p:cTn id="9" presetID="1" presetClass="entr" presetSubtype="0" fill="hold" grpId="0" nodeType="clickEffect">
+                                  <p:stCondLst>
+                                    <p:cond delay="0"/>
+                                  </p:stCondLst>
+                                  <p:childTnLst>
+                                    <p:set>
+                                      <p:cBhvr>
+                                        <p:cTn id="10" dur="1" fill="hold">
+                                          <p:stCondLst>
+                                            <p:cond delay="0"/>
+                                          </p:stCondLst>
+                                        </p:cTn>
+                                        <p:tgtEl>
+                                          <p:spTgt spid="8"/>
+                                        </p:tgtEl>
+                                        <p:attrNameLst>
+                                          <p:attrName>style.visibility</p:attrName>
+                                        </p:attrNameLst>
+                                      </p:cBhvr>
+                                      <p:to>
+                                        <p:strVal val="visible"/>
+                                      </p:to>
+                                    </p:set>
+                                  </p:childTnLst>
+                                </p:cTn>
+                              </p:par>
+                            </p:childTnLst>
+                          </p:cTn>
+                        </p:par>
+                      </p:childTnLst>
+                    </p:cTn>
+                  </p:par>
+                  <p:par>
+                    <p:cTn id="11" fill="hold">
+                      <p:stCondLst>
+                        <p:cond delay="indefinite"/>
+                      </p:stCondLst>
+                      <p:childTnLst>
+                        <p:par>
+                          <p:cTn id="12" fill="hold">
+                            <p:stCondLst>
+                              <p:cond delay="0"/>
+                            </p:stCondLst>
+                            <p:childTnLst>
+                              <p:par>
+                                <p:cTn id="13" presetID="1" presetClass="entr" presetSubtype="0" fill="hold" grpId="0" nodeType="clickEffect">
+                                  <p:stCondLst>
+                                    <p:cond delay="0"/>
+                                  </p:stCondLst>
+                                  <p:childTnLst>
+                                    <p:set>
+                                      <p:cBhvr>
+                                        <p:cTn id="14" dur="1" fill="hold">
+                                          <p:stCondLst>
+                                            <p:cond delay="0"/>
+                                          </p:stCondLst>
+                                        </p:cTn>
+                                        <p:tgtEl>
+                                          <p:spTgt spid="9"/>
+                                        </p:tgtEl>
+                                        <p:attrNameLst>
+                                          <p:attrName>style.visibility</p:attrName>
+                                        </p:attrNameLst>
+                                      </p:cBhvr>
+                                      <p:to>
+                                        <p:strVal val="visible"/>
+                                      </p:to>
+                                    </p:set>
+                                  </p:childTnLst>
+                                </p:cTn>
+                              </p:par>
+                              <p:par>
+                                <p:cTn id="15" presetID="1" presetClass="entr" presetSubtype="0" fill="hold" grpId="0" nodeType="withEffect">
+                                  <p:stCondLst>
+                                    <p:cond delay="0"/>
+                                  </p:stCondLst>
+                                  <p:childTnLst>
+                                    <p:set>
+                                      <p:cBhvr>
+                                        <p:cTn id="16" dur="1" fill="hold">
+                                          <p:stCondLst>
+                                            <p:cond delay="0"/>
+                                          </p:stCondLst>
+                                        </p:cTn>
+                                        <p:tgtEl>
+                                          <p:spTgt spid="12"/>
+                                        </p:tgtEl>
+                                        <p:attrNameLst>
+                                          <p:attrName>style.visibility</p:attrName>
+                                        </p:attrNameLst>
+                                      </p:cBhvr>
+                                      <p:to>
+                                        <p:strVal val="visible"/>
+                                      </p:to>
+                                    </p:set>
+                                  </p:childTnLst>
+                                </p:cTn>
+                              </p:par>
+                              <p:par>
+                                <p:cTn id="17" presetID="1" presetClass="entr" presetSubtype="0" fill="hold" grpId="0" nodeType="withEffect">
+                                  <p:stCondLst>
+                                    <p:cond delay="0"/>
+                                  </p:stCondLst>
+                                  <p:childTnLst>
+                                    <p:set>
+                                      <p:cBhvr>
+                                        <p:cTn id="18" dur="1" fill="hold">
+                                          <p:stCondLst>
+                                            <p:cond delay="0"/>
+                                          </p:stCondLst>
+                                        </p:cTn>
+                                        <p:tgtEl>
+                                          <p:spTgt spid="11"/>
+                                        </p:tgtEl>
+                                        <p:attrNameLst>
+                                          <p:attrName>style.visibility</p:attrName>
+                                        </p:attrNameLst>
+                                      </p:cBhvr>
+                                      <p:to>
+                                        <p:strVal val="visible"/>
+                                      </p:to>
+                                    </p:set>
+                                  </p:childTnLst>
+                                </p:cTn>
+                              </p:par>
+                            </p:childTnLst>
+                          </p:cTn>
+                        </p:par>
+                      </p:childTnLst>
+                    </p:cTn>
+                  </p:par>
+                  <p:par>
+                    <p:cTn id="19" fill="hold">
+                      <p:stCondLst>
+                        <p:cond delay="indefinite"/>
+                      </p:stCondLst>
+                      <p:childTnLst>
+                        <p:par>
+                          <p:cTn id="20" fill="hold">
+                            <p:stCondLst>
+                              <p:cond delay="0"/>
+                            </p:stCondLst>
+                            <p:childTnLst>
+                              <p:par>
+                                <p:cTn id="21" presetID="1" presetClass="entr" presetSubtype="0" fill="hold" nodeType="clickEffect">
+                                  <p:stCondLst>
+                                    <p:cond delay="0"/>
+                                  </p:stCondLst>
+                                  <p:childTnLst>
+                                    <p:set>
+                                      <p:cBhvr>
+                                        <p:cTn id="22" dur="1" fill="hold">
+                                          <p:stCondLst>
+                                            <p:cond delay="0"/>
+                                          </p:stCondLst>
+                                        </p:cTn>
+                                        <p:tgtEl>
+                                          <p:spTgt spid="7"/>
+                                        </p:tgtEl>
+                                        <p:attrNameLst>
+                                          <p:attrName>style.visibility</p:attrName>
+                                        </p:attrNameLst>
+                                      </p:cBhvr>
+                                      <p:to>
+                                        <p:strVal val="visible"/>
+                                      </p:to>
+                                    </p:set>
+                                  </p:childTnLst>
+                                </p:cTn>
+                              </p:par>
+                              <p:par>
+                                <p:cTn id="23" presetID="1" presetClass="entr" presetSubtype="0" fill="hold" grpId="0" nodeType="withEffect">
+                                  <p:stCondLst>
+                                    <p:cond delay="0"/>
+                                  </p:stCondLst>
+                                  <p:childTnLst>
+                                    <p:set>
+                                      <p:cBhvr>
+                                        <p:cTn id="24" dur="1" fill="hold">
+                                          <p:stCondLst>
+                                            <p:cond delay="0"/>
+                                          </p:stCondLst>
+                                        </p:cTn>
+                                        <p:tgtEl>
+                                          <p:spTgt spid="4"/>
+                                        </p:tgtEl>
+                                        <p:attrNameLst>
+                                          <p:attrName>style.visibility</p:attrName>
+                                        </p:attrNameLst>
+                                      </p:cBhvr>
+                                      <p:to>
+                                        <p:strVal val="visible"/>
+                                      </p:to>
+                                    </p:set>
+                                  </p:childTnLst>
+                                </p:cTn>
+                              </p:par>
+                            </p:childTnLst>
+                          </p:cTn>
+                        </p:par>
+                      </p:childTnLst>
+                    </p:cTn>
+                  </p:par>
+                  <p:par>
+                    <p:cTn id="25" fill="hold">
+                      <p:stCondLst>
+                        <p:cond delay="indefinite"/>
+                      </p:stCondLst>
+                      <p:childTnLst>
+                        <p:par>
+                          <p:cTn id="26" fill="hold">
+                            <p:stCondLst>
+                              <p:cond delay="0"/>
+                            </p:stCondLst>
+                            <p:childTnLst>
+                              <p:par>
+                                <p:cTn id="27" presetID="1" presetClass="entr" presetSubtype="0" fill="hold" grpId="0" nodeType="clickEffect">
+                                  <p:stCondLst>
+                                    <p:cond delay="0"/>
+                                  </p:stCondLst>
+                                  <p:childTnLst>
+                                    <p:set>
+                                      <p:cBhvr>
+                                        <p:cTn id="28" dur="1" fill="hold">
+                                          <p:stCondLst>
+                                            <p:cond delay="0"/>
+                                          </p:stCondLst>
+                                        </p:cTn>
+                                        <p:tgtEl>
+                                          <p:spTgt spid="3"/>
+                                        </p:tgtEl>
+                                        <p:attrNameLst>
+                                          <p:attrName>style.visibility</p:attrName>
+                                        </p:attrNameLst>
+                                      </p:cBhvr>
+                                      <p:to>
+                                        <p:strVal val="visible"/>
+                                      </p:to>
+                                    </p:set>
+                                  </p:childTnLst>
+                                </p:cTn>
+                              </p:par>
+                              <p:par>
+                                <p:cTn id="29" presetID="1" presetClass="entr" presetSubtype="0" fill="hold" nodeType="withEffect">
+                                  <p:stCondLst>
+                                    <p:cond delay="0"/>
+                                  </p:stCondLst>
+                                  <p:childTnLst>
+                                    <p:set>
+                                      <p:cBhvr>
+                                        <p:cTn id="30" dur="1" fill="hold">
                                           <p:stCondLst>
                                             <p:cond delay="0"/>
                                           </p:stCondLst>
@@ -8329,14 +9724,6 @@
                                         <p:strVal val="visible"/>
                                       </p:to>
                                     </p:set>
-                                    <p:animEffect transition="in" filter="fade">
-                                      <p:cBhvr>
-                                        <p:cTn id="7" dur="500"/>
-                                        <p:tgtEl>
-                                          <p:spTgt spid="10"/>
-                                        </p:tgtEl>
-                                      </p:cBhvr>
-                                    </p:animEffect>
                                   </p:childTnLst>
                                 </p:cTn>
                               </p:par>
@@ -8367,11 +9754,20 @@
         </p:cTn>
       </p:par>
     </p:tnLst>
+    <p:bldLst>
+      <p:bldP spid="8" grpId="0"/>
+      <p:bldP spid="4" grpId="0"/>
+      <p:bldP spid="3" grpId="0"/>
+      <p:bldP spid="6" grpId="0" animBg="1"/>
+      <p:bldP spid="9" grpId="0" animBg="1"/>
+      <p:bldP spid="11" grpId="0" animBg="1"/>
+      <p:bldP spid="12" grpId="0" animBg="1"/>
+    </p:bldLst>
   </p:timing>
 </p:sld>
 </file>
 
-<file path=ppt/slides/slide12.xml><?xml version="1.0" encoding="utf-8"?>
+<file path=ppt/slides/slide13.xml><?xml version="1.0" encoding="utf-8"?>
 <p:sld xmlns:a="http://schemas.openxmlformats.org/drawingml/2006/main" xmlns:r="http://schemas.openxmlformats.org/officeDocument/2006/relationships" xmlns:p="http://schemas.openxmlformats.org/presentationml/2006/main">
   <p:cSld>
     <p:spTree>
@@ -8434,12 +9830,14 @@
         </p:nvSpPr>
         <p:spPr/>
         <p:txBody>
-          <a:bodyPr/>
+          <a:bodyPr>
+            <a:normAutofit lnSpcReduction="10000"/>
+          </a:bodyPr>
           <a:lstStyle/>
           <a:p>
             <a:r>
               <a:rPr lang="en-CA" dirty="0"/>
-              <a:t>Analysis on Yelp data, especially ratings</a:t>
+              <a:t>Model Build on Yelp data, especially including “review count” and “avg. rating”</a:t>
             </a:r>
           </a:p>
           <a:p>
@@ -8459,14 +9857,22 @@
           <a:p>
             <a:r>
               <a:rPr lang="en-CA" dirty="0"/>
-              <a:t># bikes for rent at each station is optimization problem:</a:t>
+              <a:t># bikes for rent at each station is an optimization problem:</a:t>
             </a:r>
           </a:p>
           <a:p>
             <a:pPr lvl="1"/>
             <a:r>
               <a:rPr lang="en-CA" dirty="0"/>
-              <a:t>gather utilization data (free slots / total slots) throughout day &amp; year</a:t>
+              <a:t>gather </a:t>
+            </a:r>
+            <a:r>
+              <a:rPr lang="en-CA" i="1" dirty="0"/>
+              <a:t>utilization</a:t>
+            </a:r>
+            <a:r>
+              <a:rPr lang="en-CA" dirty="0"/>
+              <a:t> data (free slots / total slots) throughout day &amp; year</a:t>
             </a:r>
           </a:p>
           <a:p>
@@ -8475,6 +9881,16 @@
               <a:rPr lang="en-CA" dirty="0"/>
               <a:t>differentiate between operators</a:t>
             </a:r>
+          </a:p>
+          <a:p>
+            <a:r>
+              <a:rPr lang="en-CA" dirty="0"/>
+              <a:t>Gather additional data (e.g. population density around each station)</a:t>
+            </a:r>
+          </a:p>
+          <a:p>
+            <a:pPr lvl="1"/>
+            <a:endParaRPr lang="en-CA" dirty="0"/>
           </a:p>
         </p:txBody>
       </p:sp>
@@ -8482,6 +9898,195 @@
     <p:extLst>
       <p:ext uri="{BB962C8B-B14F-4D97-AF65-F5344CB8AC3E}">
         <p14:creationId xmlns:p14="http://schemas.microsoft.com/office/powerpoint/2010/main" val="3675546050"/>
+      </p:ext>
+    </p:extLst>
+  </p:cSld>
+  <p:clrMapOvr>
+    <a:masterClrMapping/>
+  </p:clrMapOvr>
+</p:sld>
+</file>
+
+<file path=ppt/slides/slide14.xml><?xml version="1.0" encoding="utf-8"?>
+<p:sld xmlns:a="http://schemas.openxmlformats.org/drawingml/2006/main" xmlns:r="http://schemas.openxmlformats.org/officeDocument/2006/relationships" xmlns:p="http://schemas.openxmlformats.org/presentationml/2006/main">
+  <p:cSld>
+    <p:spTree>
+      <p:nvGrpSpPr>
+        <p:cNvPr id="1" name=""/>
+        <p:cNvGrpSpPr/>
+        <p:nvPr/>
+      </p:nvGrpSpPr>
+      <p:grpSpPr>
+        <a:xfrm>
+          <a:off x="0" y="0"/>
+          <a:ext cx="0" cy="0"/>
+          <a:chOff x="0" y="0"/>
+          <a:chExt cx="0" cy="0"/>
+        </a:xfrm>
+      </p:grpSpPr>
+      <p:sp>
+        <p:nvSpPr>
+          <p:cNvPr id="2" name="Title 1">
+            <a:extLst>
+              <a:ext uri="{FF2B5EF4-FFF2-40B4-BE49-F238E27FC236}">
+                <a16:creationId xmlns:a16="http://schemas.microsoft.com/office/drawing/2014/main" id="{FF5A8619-1853-0258-9A82-813473366071}"/>
+              </a:ext>
+            </a:extLst>
+          </p:cNvPr>
+          <p:cNvSpPr>
+            <a:spLocks noGrp="1"/>
+          </p:cNvSpPr>
+          <p:nvPr>
+            <p:ph type="title"/>
+          </p:nvPr>
+        </p:nvSpPr>
+        <p:spPr/>
+        <p:txBody>
+          <a:bodyPr/>
+          <a:lstStyle/>
+          <a:p>
+            <a:r>
+              <a:rPr lang="en-CA" dirty="0"/>
+              <a:t>Questions?</a:t>
+            </a:r>
+          </a:p>
+        </p:txBody>
+      </p:sp>
+      <p:sp>
+        <p:nvSpPr>
+          <p:cNvPr id="3" name="Content Placeholder 2">
+            <a:extLst>
+              <a:ext uri="{FF2B5EF4-FFF2-40B4-BE49-F238E27FC236}">
+                <a16:creationId xmlns:a16="http://schemas.microsoft.com/office/drawing/2014/main" id="{45031E94-B712-DE5A-57ED-CC9788D97D89}"/>
+              </a:ext>
+            </a:extLst>
+          </p:cNvPr>
+          <p:cNvSpPr>
+            <a:spLocks noGrp="1"/>
+          </p:cNvSpPr>
+          <p:nvPr>
+            <p:ph idx="1"/>
+          </p:nvPr>
+        </p:nvSpPr>
+        <p:spPr/>
+        <p:txBody>
+          <a:bodyPr>
+            <a:normAutofit/>
+          </a:bodyPr>
+          <a:lstStyle/>
+          <a:p>
+            <a:pPr marL="0" lvl="1" indent="0">
+              <a:buNone/>
+            </a:pPr>
+            <a:endParaRPr lang="en-CA" dirty="0"/>
+          </a:p>
+        </p:txBody>
+      </p:sp>
+      <p:pic>
+        <p:nvPicPr>
+          <p:cNvPr id="1026" name="Picture 2" descr="Bicycle in Stanley Park, Vancouver, BC, Canada">
+            <a:extLst>
+              <a:ext uri="{FF2B5EF4-FFF2-40B4-BE49-F238E27FC236}">
+                <a16:creationId xmlns:a16="http://schemas.microsoft.com/office/drawing/2014/main" id="{38DA07B7-7C81-2E85-89A3-889011D504EC}"/>
+              </a:ext>
+            </a:extLst>
+          </p:cNvPr>
+          <p:cNvPicPr>
+            <a:picLocks noChangeAspect="1" noChangeArrowheads="1"/>
+          </p:cNvPicPr>
+          <p:nvPr/>
+        </p:nvPicPr>
+        <p:blipFill>
+          <a:blip r:embed="rId2">
+            <a:extLst>
+              <a:ext uri="{28A0092B-C50C-407E-A947-70E740481C1C}">
+                <a14:useLocalDpi xmlns:a14="http://schemas.microsoft.com/office/drawing/2010/main" val="0"/>
+              </a:ext>
+            </a:extLst>
+          </a:blip>
+          <a:srcRect/>
+          <a:stretch>
+            <a:fillRect/>
+          </a:stretch>
+        </p:blipFill>
+        <p:spPr bwMode="auto">
+          <a:xfrm>
+            <a:off x="471966" y="1552574"/>
+            <a:ext cx="6576534" cy="4932401"/>
+          </a:xfrm>
+          <a:prstGeom prst="rect">
+            <a:avLst/>
+          </a:prstGeom>
+          <a:noFill/>
+          <a:extLst>
+            <a:ext uri="{909E8E84-426E-40DD-AFC4-6F175D3DCCD1}">
+              <a14:hiddenFill xmlns:a14="http://schemas.microsoft.com/office/drawing/2010/main">
+                <a:solidFill>
+                  <a:srgbClr val="FFFFFF"/>
+                </a:solidFill>
+              </a14:hiddenFill>
+            </a:ext>
+          </a:extLst>
+        </p:spPr>
+      </p:pic>
+      <p:sp>
+        <p:nvSpPr>
+          <p:cNvPr id="5" name="TextBox 4">
+            <a:extLst>
+              <a:ext uri="{FF2B5EF4-FFF2-40B4-BE49-F238E27FC236}">
+                <a16:creationId xmlns:a16="http://schemas.microsoft.com/office/drawing/2014/main" id="{4266D240-5C70-F004-4FF3-DE4D64F488D9}"/>
+              </a:ext>
+            </a:extLst>
+          </p:cNvPr>
+          <p:cNvSpPr txBox="1"/>
+          <p:nvPr/>
+        </p:nvSpPr>
+        <p:spPr>
+          <a:xfrm>
+            <a:off x="7196616" y="5494893"/>
+            <a:ext cx="4094391" cy="523220"/>
+          </a:xfrm>
+          <a:prstGeom prst="rect">
+            <a:avLst/>
+          </a:prstGeom>
+          <a:noFill/>
+        </p:spPr>
+        <p:txBody>
+          <a:bodyPr wrap="none" rtlCol="0">
+            <a:spAutoFit/>
+          </a:bodyPr>
+          <a:lstStyle/>
+          <a:p>
+            <a:r>
+              <a:rPr lang="en-CA" dirty="0">
+                <a:solidFill>
+                  <a:srgbClr val="002060"/>
+                </a:solidFill>
+              </a:rPr>
+              <a:t>Image Credit: StanleyParkVan.com</a:t>
+            </a:r>
+            <a:br>
+              <a:rPr lang="en-CA" dirty="0">
+                <a:solidFill>
+                  <a:srgbClr val="002060"/>
+                </a:solidFill>
+              </a:rPr>
+            </a:br>
+            <a:r>
+              <a:rPr lang="en-CA" sz="1000" dirty="0">
+                <a:solidFill>
+                  <a:srgbClr val="002060"/>
+                </a:solidFill>
+              </a:rPr>
+              <a:t>https://stanleyparkvan.com/stanley-park-van-activity-bicycling.html</a:t>
+            </a:r>
+          </a:p>
+        </p:txBody>
+      </p:sp>
+    </p:spTree>
+    <p:extLst>
+      <p:ext uri="{BB962C8B-B14F-4D97-AF65-F5344CB8AC3E}">
+        <p14:creationId xmlns:p14="http://schemas.microsoft.com/office/powerpoint/2010/main" val="2920843073"/>
       </p:ext>
     </p:extLst>
   </p:cSld>
@@ -9185,31 +10790,6 @@
           </a:p>
         </p:txBody>
       </p:sp>
-      <p:sp>
-        <p:nvSpPr>
-          <p:cNvPr id="3" name="Content Placeholder 2">
-            <a:extLst>
-              <a:ext uri="{FF2B5EF4-FFF2-40B4-BE49-F238E27FC236}">
-                <a16:creationId xmlns:a16="http://schemas.microsoft.com/office/drawing/2014/main" id="{8F187671-FCB4-760A-3F40-73EF1A9B7981}"/>
-              </a:ext>
-            </a:extLst>
-          </p:cNvPr>
-          <p:cNvSpPr>
-            <a:spLocks noGrp="1"/>
-          </p:cNvSpPr>
-          <p:nvPr>
-            <p:ph idx="1"/>
-          </p:nvPr>
-        </p:nvSpPr>
-        <p:spPr/>
-        <p:txBody>
-          <a:bodyPr/>
-          <a:lstStyle/>
-          <a:p>
-            <a:endParaRPr lang="en-CA" dirty="0"/>
-          </a:p>
-        </p:txBody>
-      </p:sp>
       <p:pic>
         <p:nvPicPr>
           <p:cNvPr id="5" name="Picture 4">
@@ -9383,6 +10963,179 @@
           </a:p>
         </p:txBody>
       </p:sp>
+      <p:sp>
+        <p:nvSpPr>
+          <p:cNvPr id="4" name="TextBox 3">
+            <a:extLst>
+              <a:ext uri="{FF2B5EF4-FFF2-40B4-BE49-F238E27FC236}">
+                <a16:creationId xmlns:a16="http://schemas.microsoft.com/office/drawing/2014/main" id="{E09B582C-AF1B-D554-8600-442CA6A3352E}"/>
+              </a:ext>
+            </a:extLst>
+          </p:cNvPr>
+          <p:cNvSpPr txBox="1"/>
+          <p:nvPr/>
+        </p:nvSpPr>
+        <p:spPr>
+          <a:xfrm>
+            <a:off x="2157369" y="1690688"/>
+            <a:ext cx="1376339" cy="646331"/>
+          </a:xfrm>
+          <a:prstGeom prst="rect">
+            <a:avLst/>
+          </a:prstGeom>
+          <a:noFill/>
+        </p:spPr>
+        <p:txBody>
+          <a:bodyPr wrap="none" rtlCol="0">
+            <a:spAutoFit/>
+          </a:bodyPr>
+          <a:lstStyle/>
+          <a:p>
+            <a:r>
+              <a:rPr lang="en-CA" dirty="0"/>
+              <a:t>came from:</a:t>
+            </a:r>
+            <a:br>
+              <a:rPr lang="en-CA" dirty="0"/>
+            </a:br>
+            <a:r>
+              <a:rPr lang="en-CA" dirty="0" err="1"/>
+              <a:t>bikes_df</a:t>
+            </a:r>
+            <a:r>
+              <a:rPr lang="en-CA" dirty="0"/>
+              <a:t>:</a:t>
+            </a:r>
+          </a:p>
+        </p:txBody>
+      </p:sp>
+      <p:sp>
+        <p:nvSpPr>
+          <p:cNvPr id="6" name="TextBox 5">
+            <a:extLst>
+              <a:ext uri="{FF2B5EF4-FFF2-40B4-BE49-F238E27FC236}">
+                <a16:creationId xmlns:a16="http://schemas.microsoft.com/office/drawing/2014/main" id="{C43E6DD0-9E4A-33A4-CC22-2F40E26B7338}"/>
+              </a:ext>
+            </a:extLst>
+          </p:cNvPr>
+          <p:cNvSpPr txBox="1"/>
+          <p:nvPr/>
+        </p:nvSpPr>
+        <p:spPr>
+          <a:xfrm>
+            <a:off x="8207230" y="1690688"/>
+            <a:ext cx="1376339" cy="646331"/>
+          </a:xfrm>
+          <a:prstGeom prst="rect">
+            <a:avLst/>
+          </a:prstGeom>
+          <a:noFill/>
+        </p:spPr>
+        <p:txBody>
+          <a:bodyPr wrap="none" rtlCol="0">
+            <a:spAutoFit/>
+          </a:bodyPr>
+          <a:lstStyle/>
+          <a:p>
+            <a:r>
+              <a:rPr lang="en-CA" dirty="0"/>
+              <a:t>came from:</a:t>
+            </a:r>
+            <a:br>
+              <a:rPr lang="en-CA" dirty="0"/>
+            </a:br>
+            <a:r>
+              <a:rPr lang="en-CA" dirty="0" err="1"/>
+              <a:t>fsq_df</a:t>
+            </a:r>
+            <a:endParaRPr lang="en-CA" dirty="0"/>
+          </a:p>
+        </p:txBody>
+      </p:sp>
+      <p:cxnSp>
+        <p:nvCxnSpPr>
+          <p:cNvPr id="12" name="Straight Arrow Connector 11">
+            <a:extLst>
+              <a:ext uri="{FF2B5EF4-FFF2-40B4-BE49-F238E27FC236}">
+                <a16:creationId xmlns:a16="http://schemas.microsoft.com/office/drawing/2014/main" id="{3DC4BCC0-E670-1C8B-AFD2-C31AAFC1B9EA}"/>
+              </a:ext>
+            </a:extLst>
+          </p:cNvPr>
+          <p:cNvCxnSpPr/>
+          <p:nvPr/>
+        </p:nvCxnSpPr>
+        <p:spPr>
+          <a:xfrm>
+            <a:off x="3087149" y="2416029"/>
+            <a:ext cx="226502" cy="749415"/>
+          </a:xfrm>
+          <a:prstGeom prst="straightConnector1">
+            <a:avLst/>
+          </a:prstGeom>
+          <a:ln w="57150">
+            <a:solidFill>
+              <a:srgbClr val="FFFF00"/>
+            </a:solidFill>
+            <a:tailEnd type="triangle"/>
+          </a:ln>
+        </p:spPr>
+        <p:style>
+          <a:lnRef idx="1">
+            <a:schemeClr val="accent1"/>
+          </a:lnRef>
+          <a:fillRef idx="0">
+            <a:schemeClr val="accent1"/>
+          </a:fillRef>
+          <a:effectRef idx="0">
+            <a:schemeClr val="accent1"/>
+          </a:effectRef>
+          <a:fontRef idx="minor">
+            <a:schemeClr val="tx1"/>
+          </a:fontRef>
+        </p:style>
+      </p:cxnSp>
+      <p:cxnSp>
+        <p:nvCxnSpPr>
+          <p:cNvPr id="13" name="Straight Arrow Connector 12">
+            <a:extLst>
+              <a:ext uri="{FF2B5EF4-FFF2-40B4-BE49-F238E27FC236}">
+                <a16:creationId xmlns:a16="http://schemas.microsoft.com/office/drawing/2014/main" id="{873D5316-753C-34E3-AAB9-412DA500B62D}"/>
+              </a:ext>
+            </a:extLst>
+          </p:cNvPr>
+          <p:cNvCxnSpPr/>
+          <p:nvPr/>
+        </p:nvCxnSpPr>
+        <p:spPr>
+          <a:xfrm>
+            <a:off x="9195733" y="2416029"/>
+            <a:ext cx="226502" cy="749415"/>
+          </a:xfrm>
+          <a:prstGeom prst="straightConnector1">
+            <a:avLst/>
+          </a:prstGeom>
+          <a:ln w="57150">
+            <a:solidFill>
+              <a:srgbClr val="92D050"/>
+            </a:solidFill>
+            <a:tailEnd type="triangle"/>
+          </a:ln>
+        </p:spPr>
+        <p:style>
+          <a:lnRef idx="1">
+            <a:schemeClr val="accent1"/>
+          </a:lnRef>
+          <a:fillRef idx="0">
+            <a:schemeClr val="accent1"/>
+          </a:fillRef>
+          <a:effectRef idx="0">
+            <a:schemeClr val="accent1"/>
+          </a:effectRef>
+          <a:fontRef idx="minor">
+            <a:schemeClr val="tx1"/>
+          </a:fontRef>
+        </p:style>
+      </p:cxnSp>
     </p:spTree>
     <p:extLst>
       <p:ext uri="{BB962C8B-B14F-4D97-AF65-F5344CB8AC3E}">
@@ -9414,7 +11167,7 @@
                             </p:stCondLst>
                             <p:childTnLst>
                               <p:par>
-                                <p:cTn id="5" presetID="1" presetClass="entr" presetSubtype="0" fill="hold" grpId="0" nodeType="clickEffect">
+                                <p:cTn id="5" presetID="1" presetClass="entr" presetSubtype="0" fill="hold" nodeType="clickEffect">
                                   <p:stCondLst>
                                     <p:cond delay="0"/>
                                   </p:stCondLst>
@@ -9427,7 +11180,7 @@
                                           </p:stCondLst>
                                         </p:cTn>
                                         <p:tgtEl>
-                                          <p:spTgt spid="9"/>
+                                          <p:spTgt spid="12"/>
                                         </p:tgtEl>
                                         <p:attrNameLst>
                                           <p:attrName>style.visibility</p:attrName>
@@ -9449,6 +11202,132 @@
                                     <p:set>
                                       <p:cBhvr>
                                         <p:cTn id="8" dur="1" fill="hold">
+                                          <p:stCondLst>
+                                            <p:cond delay="0"/>
+                                          </p:stCondLst>
+                                        </p:cTn>
+                                        <p:tgtEl>
+                                          <p:spTgt spid="4"/>
+                                        </p:tgtEl>
+                                        <p:attrNameLst>
+                                          <p:attrName>style.visibility</p:attrName>
+                                        </p:attrNameLst>
+                                      </p:cBhvr>
+                                      <p:to>
+                                        <p:strVal val="visible"/>
+                                      </p:to>
+                                    </p:set>
+                                  </p:childTnLst>
+                                </p:cTn>
+                              </p:par>
+                              <p:par>
+                                <p:cTn id="9" presetID="1" presetClass="entr" presetSubtype="0" fill="hold" grpId="0" nodeType="withEffect">
+                                  <p:stCondLst>
+                                    <p:cond delay="0"/>
+                                  </p:stCondLst>
+                                  <p:childTnLst>
+                                    <p:set>
+                                      <p:cBhvr>
+                                        <p:cTn id="10" dur="1" fill="hold">
+                                          <p:stCondLst>
+                                            <p:cond delay="0"/>
+                                          </p:stCondLst>
+                                        </p:cTn>
+                                        <p:tgtEl>
+                                          <p:spTgt spid="9"/>
+                                        </p:tgtEl>
+                                        <p:attrNameLst>
+                                          <p:attrName>style.visibility</p:attrName>
+                                        </p:attrNameLst>
+                                      </p:cBhvr>
+                                      <p:to>
+                                        <p:strVal val="visible"/>
+                                      </p:to>
+                                    </p:set>
+                                  </p:childTnLst>
+                                </p:cTn>
+                              </p:par>
+                            </p:childTnLst>
+                          </p:cTn>
+                        </p:par>
+                      </p:childTnLst>
+                    </p:cTn>
+                  </p:par>
+                  <p:par>
+                    <p:cTn id="11" fill="hold">
+                      <p:stCondLst>
+                        <p:cond delay="indefinite"/>
+                      </p:stCondLst>
+                      <p:childTnLst>
+                        <p:par>
+                          <p:cTn id="12" fill="hold">
+                            <p:stCondLst>
+                              <p:cond delay="0"/>
+                            </p:stCondLst>
+                            <p:childTnLst>
+                              <p:par>
+                                <p:cTn id="13" presetID="1" presetClass="entr" presetSubtype="0" fill="hold" nodeType="clickEffect">
+                                  <p:stCondLst>
+                                    <p:cond delay="0"/>
+                                  </p:stCondLst>
+                                  <p:childTnLst>
+                                    <p:set>
+                                      <p:cBhvr>
+                                        <p:cTn id="14" dur="1" fill="hold">
+                                          <p:stCondLst>
+                                            <p:cond delay="0"/>
+                                          </p:stCondLst>
+                                        </p:cTn>
+                                        <p:tgtEl>
+                                          <p:spTgt spid="13"/>
+                                        </p:tgtEl>
+                                        <p:attrNameLst>
+                                          <p:attrName>style.visibility</p:attrName>
+                                        </p:attrNameLst>
+                                      </p:cBhvr>
+                                      <p:to>
+                                        <p:strVal val="visible"/>
+                                      </p:to>
+                                    </p:set>
+                                  </p:childTnLst>
+                                </p:cTn>
+                              </p:par>
+                              <p:par>
+                                <p:cTn id="15" presetID="1" presetClass="entr" presetSubtype="0" fill="hold" grpId="0" nodeType="withEffect">
+                                  <p:stCondLst>
+                                    <p:cond delay="0"/>
+                                  </p:stCondLst>
+                                  <p:childTnLst>
+                                    <p:set>
+                                      <p:cBhvr>
+                                        <p:cTn id="16" dur="1" fill="hold">
+                                          <p:stCondLst>
+                                            <p:cond delay="0"/>
+                                          </p:stCondLst>
+                                        </p:cTn>
+                                        <p:tgtEl>
+                                          <p:spTgt spid="6"/>
+                                        </p:tgtEl>
+                                        <p:attrNameLst>
+                                          <p:attrName>style.visibility</p:attrName>
+                                        </p:attrNameLst>
+                                      </p:cBhvr>
+                                      <p:to>
+                                        <p:strVal val="visible"/>
+                                      </p:to>
+                                    </p:set>
+                                  </p:childTnLst>
+                                </p:cTn>
+                              </p:par>
+                              <p:par>
+                                <p:cTn id="17" presetID="1" presetClass="entr" presetSubtype="0" fill="hold" grpId="0" nodeType="withEffect">
+                                  <p:stCondLst>
+                                    <p:cond delay="0"/>
+                                  </p:stCondLst>
+                                  <p:childTnLst>
+                                    <p:set>
+                                      <p:cBhvr>
+                                        <p:cTn id="18" dur="1" fill="hold">
                                           <p:stCondLst>
                                             <p:cond delay="0"/>
                                           </p:stCondLst>
@@ -9497,6 +11376,8 @@
     <p:bldLst>
       <p:bldP spid="9" grpId="0" animBg="1"/>
       <p:bldP spid="10" grpId="0" animBg="1"/>
+      <p:bldP spid="4" grpId="0"/>
+      <p:bldP spid="6" grpId="0"/>
     </p:bldLst>
   </p:timing>
 </p:sld>
@@ -9562,7 +11443,7 @@
         </p:nvSpPr>
         <p:spPr>
           <a:xfrm>
-            <a:off x="5133974" y="1850538"/>
+            <a:off x="4572453" y="3144192"/>
             <a:ext cx="3455357" cy="4351338"/>
           </a:xfrm>
         </p:spPr>
@@ -9633,7 +11514,7 @@
         </p:blipFill>
         <p:spPr>
           <a:xfrm>
-            <a:off x="75631" y="50963"/>
+            <a:off x="7357518" y="2313667"/>
             <a:ext cx="4763070" cy="4506378"/>
           </a:xfrm>
           <a:prstGeom prst="rect">
@@ -9663,7 +11544,7 @@
         </p:blipFill>
         <p:spPr>
           <a:xfrm>
-            <a:off x="3961832" y="4606456"/>
+            <a:off x="0" y="0"/>
             <a:ext cx="8154538" cy="2200582"/>
           </a:xfrm>
           <a:prstGeom prst="rect">
@@ -9684,8 +11565,8 @@
           <p:nvPr/>
         </p:nvSpPr>
         <p:spPr>
-          <a:xfrm>
-            <a:off x="6010843" y="3498292"/>
+          <a:xfrm rot="9187741">
+            <a:off x="6681255" y="2291551"/>
             <a:ext cx="484632" cy="685493"/>
           </a:xfrm>
           <a:prstGeom prst="downArrow">
@@ -9717,6 +11598,110 @@
           </a:p>
         </p:txBody>
       </p:sp>
+      <p:sp>
+        <p:nvSpPr>
+          <p:cNvPr id="4" name="Rectangle 3">
+            <a:extLst>
+              <a:ext uri="{FF2B5EF4-FFF2-40B4-BE49-F238E27FC236}">
+                <a16:creationId xmlns:a16="http://schemas.microsoft.com/office/drawing/2014/main" id="{6D23FA4F-C56E-93FD-0643-336B3834AAF9}"/>
+              </a:ext>
+            </a:extLst>
+          </p:cNvPr>
+          <p:cNvSpPr/>
+          <p:nvPr/>
+        </p:nvSpPr>
+        <p:spPr>
+          <a:xfrm>
+            <a:off x="0" y="836939"/>
+            <a:ext cx="6300132" cy="1325563"/>
+          </a:xfrm>
+          <a:prstGeom prst="rect">
+            <a:avLst/>
+          </a:prstGeom>
+          <a:noFill/>
+          <a:ln w="57150">
+            <a:solidFill>
+              <a:srgbClr val="FFFF00"/>
+            </a:solidFill>
+          </a:ln>
+        </p:spPr>
+        <p:style>
+          <a:lnRef idx="2">
+            <a:schemeClr val="accent1">
+              <a:shade val="15000"/>
+            </a:schemeClr>
+          </a:lnRef>
+          <a:fillRef idx="1">
+            <a:schemeClr val="accent1"/>
+          </a:fillRef>
+          <a:effectRef idx="0">
+            <a:schemeClr val="accent1"/>
+          </a:effectRef>
+          <a:fontRef idx="minor">
+            <a:schemeClr val="lt1"/>
+          </a:fontRef>
+        </p:style>
+        <p:txBody>
+          <a:bodyPr rtlCol="0" anchor="ctr"/>
+          <a:lstStyle/>
+          <a:p>
+            <a:pPr algn="ctr"/>
+            <a:endParaRPr lang="en-CA"/>
+          </a:p>
+        </p:txBody>
+      </p:sp>
+      <p:sp>
+        <p:nvSpPr>
+          <p:cNvPr id="5" name="Rectangle 4">
+            <a:extLst>
+              <a:ext uri="{FF2B5EF4-FFF2-40B4-BE49-F238E27FC236}">
+                <a16:creationId xmlns:a16="http://schemas.microsoft.com/office/drawing/2014/main" id="{FF4D932F-5C1C-5EDB-EAAF-1E0B0BC410DC}"/>
+              </a:ext>
+            </a:extLst>
+          </p:cNvPr>
+          <p:cNvSpPr/>
+          <p:nvPr/>
+        </p:nvSpPr>
+        <p:spPr>
+          <a:xfrm>
+            <a:off x="6358856" y="836939"/>
+            <a:ext cx="1728132" cy="1325563"/>
+          </a:xfrm>
+          <a:prstGeom prst="rect">
+            <a:avLst/>
+          </a:prstGeom>
+          <a:noFill/>
+          <a:ln w="57150">
+            <a:solidFill>
+              <a:srgbClr val="92D050"/>
+            </a:solidFill>
+          </a:ln>
+        </p:spPr>
+        <p:style>
+          <a:lnRef idx="2">
+            <a:schemeClr val="accent1">
+              <a:shade val="15000"/>
+            </a:schemeClr>
+          </a:lnRef>
+          <a:fillRef idx="1">
+            <a:schemeClr val="accent1"/>
+          </a:fillRef>
+          <a:effectRef idx="0">
+            <a:schemeClr val="accent1"/>
+          </a:effectRef>
+          <a:fontRef idx="minor">
+            <a:schemeClr val="lt1"/>
+          </a:fontRef>
+        </p:style>
+        <p:txBody>
+          <a:bodyPr rtlCol="0" anchor="ctr"/>
+          <a:lstStyle/>
+          <a:p>
+            <a:pPr algn="ctr"/>
+            <a:endParaRPr lang="en-CA"/>
+          </a:p>
+        </p:txBody>
+      </p:sp>
     </p:spTree>
     <p:extLst>
       <p:ext uri="{BB962C8B-B14F-4D97-AF65-F5344CB8AC3E}">
@@ -9727,6 +11712,336 @@
   <p:clrMapOvr>
     <a:masterClrMapping/>
   </p:clrMapOvr>
+  <p:timing>
+    <p:tnLst>
+      <p:par>
+        <p:cTn id="1" dur="indefinite" restart="never" nodeType="tmRoot">
+          <p:childTnLst>
+            <p:seq concurrent="1" nextAc="seek">
+              <p:cTn id="2" dur="indefinite" nodeType="mainSeq">
+                <p:childTnLst>
+                  <p:par>
+                    <p:cTn id="3" fill="hold">
+                      <p:stCondLst>
+                        <p:cond delay="indefinite"/>
+                        <p:cond evt="onBegin" delay="0">
+                          <p:tn val="2"/>
+                        </p:cond>
+                      </p:stCondLst>
+                      <p:childTnLst>
+                        <p:par>
+                          <p:cTn id="4" fill="hold">
+                            <p:stCondLst>
+                              <p:cond delay="0"/>
+                            </p:stCondLst>
+                            <p:childTnLst>
+                              <p:par>
+                                <p:cTn id="5" presetID="1" presetClass="entr" presetSubtype="0" fill="hold" nodeType="withEffect">
+                                  <p:stCondLst>
+                                    <p:cond delay="0"/>
+                                  </p:stCondLst>
+                                  <p:childTnLst>
+                                    <p:set>
+                                      <p:cBhvr>
+                                        <p:cTn id="6" dur="1" fill="hold">
+                                          <p:stCondLst>
+                                            <p:cond delay="0"/>
+                                          </p:stCondLst>
+                                        </p:cTn>
+                                        <p:tgtEl>
+                                          <p:spTgt spid="8"/>
+                                        </p:tgtEl>
+                                        <p:attrNameLst>
+                                          <p:attrName>style.visibility</p:attrName>
+                                        </p:attrNameLst>
+                                      </p:cBhvr>
+                                      <p:to>
+                                        <p:strVal val="visible"/>
+                                      </p:to>
+                                    </p:set>
+                                  </p:childTnLst>
+                                </p:cTn>
+                              </p:par>
+                            </p:childTnLst>
+                          </p:cTn>
+                        </p:par>
+                        <p:par>
+                          <p:cTn id="7" fill="hold">
+                            <p:stCondLst>
+                              <p:cond delay="0"/>
+                            </p:stCondLst>
+                            <p:childTnLst>
+                              <p:par>
+                                <p:cTn id="8" presetID="1" presetClass="entr" presetSubtype="0" fill="hold" grpId="0" nodeType="afterEffect">
+                                  <p:stCondLst>
+                                    <p:cond delay="0"/>
+                                  </p:stCondLst>
+                                  <p:childTnLst>
+                                    <p:set>
+                                      <p:cBhvr>
+                                        <p:cTn id="9" dur="1" fill="hold">
+                                          <p:stCondLst>
+                                            <p:cond delay="0"/>
+                                          </p:stCondLst>
+                                        </p:cTn>
+                                        <p:tgtEl>
+                                          <p:spTgt spid="4"/>
+                                        </p:tgtEl>
+                                        <p:attrNameLst>
+                                          <p:attrName>style.visibility</p:attrName>
+                                        </p:attrNameLst>
+                                      </p:cBhvr>
+                                      <p:to>
+                                        <p:strVal val="visible"/>
+                                      </p:to>
+                                    </p:set>
+                                  </p:childTnLst>
+                                </p:cTn>
+                              </p:par>
+                            </p:childTnLst>
+                          </p:cTn>
+                        </p:par>
+                      </p:childTnLst>
+                    </p:cTn>
+                  </p:par>
+                  <p:par>
+                    <p:cTn id="10" fill="hold">
+                      <p:stCondLst>
+                        <p:cond delay="indefinite"/>
+                      </p:stCondLst>
+                      <p:childTnLst>
+                        <p:par>
+                          <p:cTn id="11" fill="hold">
+                            <p:stCondLst>
+                              <p:cond delay="0"/>
+                            </p:stCondLst>
+                            <p:childTnLst>
+                              <p:par>
+                                <p:cTn id="12" presetID="1" presetClass="entr" presetSubtype="0" fill="hold" grpId="0" nodeType="clickEffect">
+                                  <p:stCondLst>
+                                    <p:cond delay="0"/>
+                                  </p:stCondLst>
+                                  <p:childTnLst>
+                                    <p:set>
+                                      <p:cBhvr>
+                                        <p:cTn id="13" dur="1" fill="hold">
+                                          <p:stCondLst>
+                                            <p:cond delay="0"/>
+                                          </p:stCondLst>
+                                        </p:cTn>
+                                        <p:tgtEl>
+                                          <p:spTgt spid="5"/>
+                                        </p:tgtEl>
+                                        <p:attrNameLst>
+                                          <p:attrName>style.visibility</p:attrName>
+                                        </p:attrNameLst>
+                                      </p:cBhvr>
+                                      <p:to>
+                                        <p:strVal val="visible"/>
+                                      </p:to>
+                                    </p:set>
+                                  </p:childTnLst>
+                                </p:cTn>
+                              </p:par>
+                            </p:childTnLst>
+                          </p:cTn>
+                        </p:par>
+                      </p:childTnLst>
+                    </p:cTn>
+                  </p:par>
+                  <p:par>
+                    <p:cTn id="14" fill="hold">
+                      <p:stCondLst>
+                        <p:cond delay="indefinite"/>
+                      </p:stCondLst>
+                      <p:childTnLst>
+                        <p:par>
+                          <p:cTn id="15" fill="hold">
+                            <p:stCondLst>
+                              <p:cond delay="0"/>
+                            </p:stCondLst>
+                            <p:childTnLst>
+                              <p:par>
+                                <p:cTn id="16" presetID="1" presetClass="entr" presetSubtype="0" fill="hold" nodeType="clickEffect">
+                                  <p:stCondLst>
+                                    <p:cond delay="0"/>
+                                  </p:stCondLst>
+                                  <p:childTnLst>
+                                    <p:set>
+                                      <p:cBhvr>
+                                        <p:cTn id="17" dur="1" fill="hold">
+                                          <p:stCondLst>
+                                            <p:cond delay="0"/>
+                                          </p:stCondLst>
+                                        </p:cTn>
+                                        <p:tgtEl>
+                                          <p:spTgt spid="6"/>
+                                        </p:tgtEl>
+                                        <p:attrNameLst>
+                                          <p:attrName>style.visibility</p:attrName>
+                                        </p:attrNameLst>
+                                      </p:cBhvr>
+                                      <p:to>
+                                        <p:strVal val="visible"/>
+                                      </p:to>
+                                    </p:set>
+                                  </p:childTnLst>
+                                </p:cTn>
+                              </p:par>
+                              <p:par>
+                                <p:cTn id="18" presetID="1" presetClass="entr" presetSubtype="0" fill="hold" grpId="0" nodeType="withEffect">
+                                  <p:stCondLst>
+                                    <p:cond delay="0"/>
+                                  </p:stCondLst>
+                                  <p:childTnLst>
+                                    <p:set>
+                                      <p:cBhvr>
+                                        <p:cTn id="19" dur="1" fill="hold">
+                                          <p:stCondLst>
+                                            <p:cond delay="0"/>
+                                          </p:stCondLst>
+                                        </p:cTn>
+                                        <p:tgtEl>
+                                          <p:spTgt spid="9"/>
+                                        </p:tgtEl>
+                                        <p:attrNameLst>
+                                          <p:attrName>style.visibility</p:attrName>
+                                        </p:attrNameLst>
+                                      </p:cBhvr>
+                                      <p:to>
+                                        <p:strVal val="visible"/>
+                                      </p:to>
+                                    </p:set>
+                                  </p:childTnLst>
+                                </p:cTn>
+                              </p:par>
+                              <p:par>
+                                <p:cTn id="20" presetID="1" presetClass="entr" presetSubtype="0" fill="hold" grpId="0" nodeType="withEffect">
+                                  <p:stCondLst>
+                                    <p:cond delay="0"/>
+                                  </p:stCondLst>
+                                  <p:childTnLst>
+                                    <p:set>
+                                      <p:cBhvr>
+                                        <p:cTn id="21" dur="1" fill="hold">
+                                          <p:stCondLst>
+                                            <p:cond delay="0"/>
+                                          </p:stCondLst>
+                                        </p:cTn>
+                                        <p:tgtEl>
+                                          <p:spTgt spid="3">
+                                            <p:txEl>
+                                              <p:pRg st="0" end="0"/>
+                                            </p:txEl>
+                                          </p:spTgt>
+                                        </p:tgtEl>
+                                        <p:attrNameLst>
+                                          <p:attrName>style.visibility</p:attrName>
+                                        </p:attrNameLst>
+                                      </p:cBhvr>
+                                      <p:to>
+                                        <p:strVal val="visible"/>
+                                      </p:to>
+                                    </p:set>
+                                  </p:childTnLst>
+                                </p:cTn>
+                              </p:par>
+                              <p:par>
+                                <p:cTn id="22" presetID="1" presetClass="entr" presetSubtype="0" fill="hold" grpId="0" nodeType="withEffect">
+                                  <p:stCondLst>
+                                    <p:cond delay="0"/>
+                                  </p:stCondLst>
+                                  <p:childTnLst>
+                                    <p:set>
+                                      <p:cBhvr>
+                                        <p:cTn id="23" dur="1" fill="hold">
+                                          <p:stCondLst>
+                                            <p:cond delay="0"/>
+                                          </p:stCondLst>
+                                        </p:cTn>
+                                        <p:tgtEl>
+                                          <p:spTgt spid="3">
+                                            <p:txEl>
+                                              <p:pRg st="1" end="1"/>
+                                            </p:txEl>
+                                          </p:spTgt>
+                                        </p:tgtEl>
+                                        <p:attrNameLst>
+                                          <p:attrName>style.visibility</p:attrName>
+                                        </p:attrNameLst>
+                                      </p:cBhvr>
+                                      <p:to>
+                                        <p:strVal val="visible"/>
+                                      </p:to>
+                                    </p:set>
+                                  </p:childTnLst>
+                                </p:cTn>
+                              </p:par>
+                              <p:par>
+                                <p:cTn id="24" presetID="1" presetClass="entr" presetSubtype="0" fill="hold" grpId="0" nodeType="withEffect">
+                                  <p:stCondLst>
+                                    <p:cond delay="0"/>
+                                  </p:stCondLst>
+                                  <p:childTnLst>
+                                    <p:set>
+                                      <p:cBhvr>
+                                        <p:cTn id="25" dur="1" fill="hold">
+                                          <p:stCondLst>
+                                            <p:cond delay="0"/>
+                                          </p:stCondLst>
+                                        </p:cTn>
+                                        <p:tgtEl>
+                                          <p:spTgt spid="3">
+                                            <p:txEl>
+                                              <p:pRg st="3" end="3"/>
+                                            </p:txEl>
+                                          </p:spTgt>
+                                        </p:tgtEl>
+                                        <p:attrNameLst>
+                                          <p:attrName>style.visibility</p:attrName>
+                                        </p:attrNameLst>
+                                      </p:cBhvr>
+                                      <p:to>
+                                        <p:strVal val="visible"/>
+                                      </p:to>
+                                    </p:set>
+                                  </p:childTnLst>
+                                </p:cTn>
+                              </p:par>
+                            </p:childTnLst>
+                          </p:cTn>
+                        </p:par>
+                      </p:childTnLst>
+                    </p:cTn>
+                  </p:par>
+                </p:childTnLst>
+              </p:cTn>
+              <p:prevCondLst>
+                <p:cond evt="onPrev" delay="0">
+                  <p:tgtEl>
+                    <p:sldTgt/>
+                  </p:tgtEl>
+                </p:cond>
+              </p:prevCondLst>
+              <p:nextCondLst>
+                <p:cond evt="onNext" delay="0">
+                  <p:tgtEl>
+                    <p:sldTgt/>
+                  </p:tgtEl>
+                </p:cond>
+              </p:nextCondLst>
+            </p:seq>
+          </p:childTnLst>
+        </p:cTn>
+      </p:par>
+    </p:tnLst>
+    <p:bldLst>
+      <p:bldP spid="3" grpId="0" uiExpand="1" build="p"/>
+      <p:bldP spid="9" grpId="0" animBg="1"/>
+      <p:bldP spid="4" grpId="0" animBg="1"/>
+      <p:bldP spid="5" grpId="0" animBg="1"/>
+    </p:bldLst>
+  </p:timing>
 </p:sld>
 </file>
 
@@ -9854,6 +12169,302 @@
           </a:prstGeom>
         </p:spPr>
       </p:pic>
+      <p:sp>
+        <p:nvSpPr>
+          <p:cNvPr id="4" name="Rectangle 3">
+            <a:extLst>
+              <a:ext uri="{FF2B5EF4-FFF2-40B4-BE49-F238E27FC236}">
+                <a16:creationId xmlns:a16="http://schemas.microsoft.com/office/drawing/2014/main" id="{FF8BF02C-B50E-8610-B717-E85AC5F0C525}"/>
+              </a:ext>
+            </a:extLst>
+          </p:cNvPr>
+          <p:cNvSpPr/>
+          <p:nvPr/>
+        </p:nvSpPr>
+        <p:spPr>
+          <a:xfrm>
+            <a:off x="6786282" y="5432612"/>
+            <a:ext cx="2985248" cy="1429870"/>
+          </a:xfrm>
+          <a:prstGeom prst="rect">
+            <a:avLst/>
+          </a:prstGeom>
+          <a:noFill/>
+          <a:ln w="57150">
+            <a:solidFill>
+              <a:srgbClr val="FFFF00"/>
+            </a:solidFill>
+          </a:ln>
+        </p:spPr>
+        <p:style>
+          <a:lnRef idx="2">
+            <a:schemeClr val="accent1">
+              <a:shade val="15000"/>
+            </a:schemeClr>
+          </a:lnRef>
+          <a:fillRef idx="1">
+            <a:schemeClr val="accent1"/>
+          </a:fillRef>
+          <a:effectRef idx="0">
+            <a:schemeClr val="accent1"/>
+          </a:effectRef>
+          <a:fontRef idx="minor">
+            <a:schemeClr val="lt1"/>
+          </a:fontRef>
+        </p:style>
+        <p:txBody>
+          <a:bodyPr rtlCol="0" anchor="ctr"/>
+          <a:lstStyle/>
+          <a:p>
+            <a:pPr algn="ctr"/>
+            <a:endParaRPr lang="en-CA"/>
+          </a:p>
+        </p:txBody>
+      </p:sp>
+      <p:sp>
+        <p:nvSpPr>
+          <p:cNvPr id="6" name="Rectangle 5">
+            <a:extLst>
+              <a:ext uri="{FF2B5EF4-FFF2-40B4-BE49-F238E27FC236}">
+                <a16:creationId xmlns:a16="http://schemas.microsoft.com/office/drawing/2014/main" id="{DE5DC3E3-6884-8A78-B14D-427D817F5DE2}"/>
+              </a:ext>
+            </a:extLst>
+          </p:cNvPr>
+          <p:cNvSpPr/>
+          <p:nvPr/>
+        </p:nvSpPr>
+        <p:spPr>
+          <a:xfrm>
+            <a:off x="9771530" y="5428128"/>
+            <a:ext cx="860611" cy="1429871"/>
+          </a:xfrm>
+          <a:prstGeom prst="rect">
+            <a:avLst/>
+          </a:prstGeom>
+          <a:noFill/>
+          <a:ln w="57150">
+            <a:solidFill>
+              <a:srgbClr val="92D050"/>
+            </a:solidFill>
+          </a:ln>
+        </p:spPr>
+        <p:style>
+          <a:lnRef idx="2">
+            <a:schemeClr val="accent1">
+              <a:shade val="15000"/>
+            </a:schemeClr>
+          </a:lnRef>
+          <a:fillRef idx="1">
+            <a:schemeClr val="accent1"/>
+          </a:fillRef>
+          <a:effectRef idx="0">
+            <a:schemeClr val="accent1"/>
+          </a:effectRef>
+          <a:fontRef idx="minor">
+            <a:schemeClr val="lt1"/>
+          </a:fontRef>
+        </p:style>
+        <p:txBody>
+          <a:bodyPr rtlCol="0" anchor="ctr"/>
+          <a:lstStyle/>
+          <a:p>
+            <a:pPr algn="ctr"/>
+            <a:endParaRPr lang="en-CA"/>
+          </a:p>
+        </p:txBody>
+      </p:sp>
+      <p:sp>
+        <p:nvSpPr>
+          <p:cNvPr id="7" name="Rectangle 6">
+            <a:extLst>
+              <a:ext uri="{FF2B5EF4-FFF2-40B4-BE49-F238E27FC236}">
+                <a16:creationId xmlns:a16="http://schemas.microsoft.com/office/drawing/2014/main" id="{EF50504C-A964-0477-B175-CB88929F8814}"/>
+              </a:ext>
+            </a:extLst>
+          </p:cNvPr>
+          <p:cNvSpPr/>
+          <p:nvPr/>
+        </p:nvSpPr>
+        <p:spPr>
+          <a:xfrm>
+            <a:off x="1074820" y="0"/>
+            <a:ext cx="11107845" cy="3227294"/>
+          </a:xfrm>
+          <a:prstGeom prst="rect">
+            <a:avLst/>
+          </a:prstGeom>
+          <a:noFill/>
+          <a:ln w="57150">
+            <a:solidFill>
+              <a:srgbClr val="FFFF00"/>
+            </a:solidFill>
+          </a:ln>
+        </p:spPr>
+        <p:style>
+          <a:lnRef idx="2">
+            <a:schemeClr val="accent1">
+              <a:shade val="15000"/>
+            </a:schemeClr>
+          </a:lnRef>
+          <a:fillRef idx="1">
+            <a:schemeClr val="accent1"/>
+          </a:fillRef>
+          <a:effectRef idx="0">
+            <a:schemeClr val="accent1"/>
+          </a:effectRef>
+          <a:fontRef idx="minor">
+            <a:schemeClr val="lt1"/>
+          </a:fontRef>
+        </p:style>
+        <p:txBody>
+          <a:bodyPr rtlCol="0" anchor="ctr"/>
+          <a:lstStyle/>
+          <a:p>
+            <a:pPr algn="ctr"/>
+            <a:endParaRPr lang="en-CA"/>
+          </a:p>
+        </p:txBody>
+      </p:sp>
+      <p:sp>
+        <p:nvSpPr>
+          <p:cNvPr id="8" name="Rectangle 7">
+            <a:extLst>
+              <a:ext uri="{FF2B5EF4-FFF2-40B4-BE49-F238E27FC236}">
+                <a16:creationId xmlns:a16="http://schemas.microsoft.com/office/drawing/2014/main" id="{D05B0204-1D2E-F629-7A7B-5CBE4DF6F3E7}"/>
+              </a:ext>
+            </a:extLst>
+          </p:cNvPr>
+          <p:cNvSpPr/>
+          <p:nvPr/>
+        </p:nvSpPr>
+        <p:spPr>
+          <a:xfrm>
+            <a:off x="1085298" y="3294107"/>
+            <a:ext cx="11097367" cy="1429871"/>
+          </a:xfrm>
+          <a:prstGeom prst="rect">
+            <a:avLst/>
+          </a:prstGeom>
+          <a:noFill/>
+          <a:ln w="57150">
+            <a:solidFill>
+              <a:srgbClr val="92D050"/>
+            </a:solidFill>
+          </a:ln>
+        </p:spPr>
+        <p:style>
+          <a:lnRef idx="2">
+            <a:schemeClr val="accent1">
+              <a:shade val="15000"/>
+            </a:schemeClr>
+          </a:lnRef>
+          <a:fillRef idx="1">
+            <a:schemeClr val="accent1"/>
+          </a:fillRef>
+          <a:effectRef idx="0">
+            <a:schemeClr val="accent1"/>
+          </a:effectRef>
+          <a:fontRef idx="minor">
+            <a:schemeClr val="lt1"/>
+          </a:fontRef>
+        </p:style>
+        <p:txBody>
+          <a:bodyPr rtlCol="0" anchor="ctr"/>
+          <a:lstStyle/>
+          <a:p>
+            <a:pPr algn="ctr"/>
+            <a:endParaRPr lang="en-CA"/>
+          </a:p>
+        </p:txBody>
+      </p:sp>
+      <p:cxnSp>
+        <p:nvCxnSpPr>
+          <p:cNvPr id="9" name="Straight Arrow Connector 8">
+            <a:extLst>
+              <a:ext uri="{FF2B5EF4-FFF2-40B4-BE49-F238E27FC236}">
+                <a16:creationId xmlns:a16="http://schemas.microsoft.com/office/drawing/2014/main" id="{3FF03EB5-185A-4EE1-0A66-6122AF46EFA9}"/>
+              </a:ext>
+            </a:extLst>
+          </p:cNvPr>
+          <p:cNvCxnSpPr>
+            <a:cxnSpLocks/>
+          </p:cNvCxnSpPr>
+          <p:nvPr/>
+        </p:nvCxnSpPr>
+        <p:spPr>
+          <a:xfrm>
+            <a:off x="1459734" y="3259627"/>
+            <a:ext cx="5514807" cy="2168501"/>
+          </a:xfrm>
+          <a:prstGeom prst="straightConnector1">
+            <a:avLst/>
+          </a:prstGeom>
+          <a:ln w="57150">
+            <a:solidFill>
+              <a:srgbClr val="FFFF00"/>
+            </a:solidFill>
+            <a:tailEnd type="triangle"/>
+          </a:ln>
+        </p:spPr>
+        <p:style>
+          <a:lnRef idx="1">
+            <a:schemeClr val="accent1"/>
+          </a:lnRef>
+          <a:fillRef idx="0">
+            <a:schemeClr val="accent1"/>
+          </a:fillRef>
+          <a:effectRef idx="0">
+            <a:schemeClr val="accent1"/>
+          </a:effectRef>
+          <a:fontRef idx="minor">
+            <a:schemeClr val="tx1"/>
+          </a:fontRef>
+        </p:style>
+      </p:cxnSp>
+      <p:cxnSp>
+        <p:nvCxnSpPr>
+          <p:cNvPr id="11" name="Straight Arrow Connector 10">
+            <a:extLst>
+              <a:ext uri="{FF2B5EF4-FFF2-40B4-BE49-F238E27FC236}">
+                <a16:creationId xmlns:a16="http://schemas.microsoft.com/office/drawing/2014/main" id="{877BAA8E-305F-B319-1359-8FFE27491FF5}"/>
+              </a:ext>
+            </a:extLst>
+          </p:cNvPr>
+          <p:cNvCxnSpPr>
+            <a:cxnSpLocks/>
+          </p:cNvCxnSpPr>
+          <p:nvPr/>
+        </p:nvCxnSpPr>
+        <p:spPr>
+          <a:xfrm>
+            <a:off x="9959789" y="4728462"/>
+            <a:ext cx="406688" cy="699666"/>
+          </a:xfrm>
+          <a:prstGeom prst="straightConnector1">
+            <a:avLst/>
+          </a:prstGeom>
+          <a:ln w="57150">
+            <a:solidFill>
+              <a:srgbClr val="92D050"/>
+            </a:solidFill>
+            <a:tailEnd type="triangle"/>
+          </a:ln>
+        </p:spPr>
+        <p:style>
+          <a:lnRef idx="1">
+            <a:schemeClr val="accent1"/>
+          </a:lnRef>
+          <a:fillRef idx="0">
+            <a:schemeClr val="accent1"/>
+          </a:fillRef>
+          <a:effectRef idx="0">
+            <a:schemeClr val="accent1"/>
+          </a:effectRef>
+          <a:fontRef idx="minor">
+            <a:schemeClr val="tx1"/>
+          </a:fontRef>
+        </p:style>
+      </p:cxnSp>
     </p:spTree>
     <p:extLst>
       <p:ext uri="{BB962C8B-B14F-4D97-AF65-F5344CB8AC3E}">
@@ -9864,10 +12475,367 @@
   <p:clrMapOvr>
     <a:masterClrMapping/>
   </p:clrMapOvr>
+  <p:timing>
+    <p:tnLst>
+      <p:par>
+        <p:cTn id="1" dur="indefinite" restart="never" nodeType="tmRoot">
+          <p:childTnLst>
+            <p:seq concurrent="1" nextAc="seek">
+              <p:cTn id="2" dur="indefinite" nodeType="mainSeq">
+                <p:childTnLst>
+                  <p:par>
+                    <p:cTn id="3" fill="hold">
+                      <p:stCondLst>
+                        <p:cond delay="indefinite"/>
+                      </p:stCondLst>
+                      <p:childTnLst>
+                        <p:par>
+                          <p:cTn id="4" fill="hold">
+                            <p:stCondLst>
+                              <p:cond delay="0"/>
+                            </p:stCondLst>
+                            <p:childTnLst>
+                              <p:par>
+                                <p:cTn id="5" presetID="1" presetClass="entr" presetSubtype="0" fill="hold" grpId="0" nodeType="clickEffect">
+                                  <p:stCondLst>
+                                    <p:cond delay="0"/>
+                                  </p:stCondLst>
+                                  <p:childTnLst>
+                                    <p:set>
+                                      <p:cBhvr>
+                                        <p:cTn id="6" dur="1" fill="hold">
+                                          <p:stCondLst>
+                                            <p:cond delay="0"/>
+                                          </p:stCondLst>
+                                        </p:cTn>
+                                        <p:tgtEl>
+                                          <p:spTgt spid="4"/>
+                                        </p:tgtEl>
+                                        <p:attrNameLst>
+                                          <p:attrName>style.visibility</p:attrName>
+                                        </p:attrNameLst>
+                                      </p:cBhvr>
+                                      <p:to>
+                                        <p:strVal val="visible"/>
+                                      </p:to>
+                                    </p:set>
+                                  </p:childTnLst>
+                                </p:cTn>
+                              </p:par>
+                            </p:childTnLst>
+                          </p:cTn>
+                        </p:par>
+                      </p:childTnLst>
+                    </p:cTn>
+                  </p:par>
+                  <p:par>
+                    <p:cTn id="7" fill="hold">
+                      <p:stCondLst>
+                        <p:cond delay="indefinite"/>
+                      </p:stCondLst>
+                      <p:childTnLst>
+                        <p:par>
+                          <p:cTn id="8" fill="hold">
+                            <p:stCondLst>
+                              <p:cond delay="0"/>
+                            </p:stCondLst>
+                            <p:childTnLst>
+                              <p:par>
+                                <p:cTn id="9" presetID="1" presetClass="entr" presetSubtype="0" fill="hold" grpId="0" nodeType="clickEffect">
+                                  <p:stCondLst>
+                                    <p:cond delay="0"/>
+                                  </p:stCondLst>
+                                  <p:childTnLst>
+                                    <p:set>
+                                      <p:cBhvr>
+                                        <p:cTn id="10" dur="1" fill="hold">
+                                          <p:stCondLst>
+                                            <p:cond delay="0"/>
+                                          </p:stCondLst>
+                                        </p:cTn>
+                                        <p:tgtEl>
+                                          <p:spTgt spid="6"/>
+                                        </p:tgtEl>
+                                        <p:attrNameLst>
+                                          <p:attrName>style.visibility</p:attrName>
+                                        </p:attrNameLst>
+                                      </p:cBhvr>
+                                      <p:to>
+                                        <p:strVal val="visible"/>
+                                      </p:to>
+                                    </p:set>
+                                  </p:childTnLst>
+                                </p:cTn>
+                              </p:par>
+                            </p:childTnLst>
+                          </p:cTn>
+                        </p:par>
+                      </p:childTnLst>
+                    </p:cTn>
+                  </p:par>
+                  <p:par>
+                    <p:cTn id="11" fill="hold">
+                      <p:stCondLst>
+                        <p:cond delay="indefinite"/>
+                      </p:stCondLst>
+                      <p:childTnLst>
+                        <p:par>
+                          <p:cTn id="12" fill="hold">
+                            <p:stCondLst>
+                              <p:cond delay="0"/>
+                            </p:stCondLst>
+                            <p:childTnLst>
+                              <p:par>
+                                <p:cTn id="13" presetID="1" presetClass="entr" presetSubtype="0" fill="hold" grpId="0" nodeType="clickEffect">
+                                  <p:stCondLst>
+                                    <p:cond delay="0"/>
+                                  </p:stCondLst>
+                                  <p:childTnLst>
+                                    <p:set>
+                                      <p:cBhvr>
+                                        <p:cTn id="14" dur="1" fill="hold">
+                                          <p:stCondLst>
+                                            <p:cond delay="0"/>
+                                          </p:stCondLst>
+                                        </p:cTn>
+                                        <p:tgtEl>
+                                          <p:spTgt spid="7"/>
+                                        </p:tgtEl>
+                                        <p:attrNameLst>
+                                          <p:attrName>style.visibility</p:attrName>
+                                        </p:attrNameLst>
+                                      </p:cBhvr>
+                                      <p:to>
+                                        <p:strVal val="visible"/>
+                                      </p:to>
+                                    </p:set>
+                                  </p:childTnLst>
+                                </p:cTn>
+                              </p:par>
+                              <p:par>
+                                <p:cTn id="15" presetID="1" presetClass="entr" presetSubtype="0" fill="hold" nodeType="withEffect">
+                                  <p:stCondLst>
+                                    <p:cond delay="0"/>
+                                  </p:stCondLst>
+                                  <p:childTnLst>
+                                    <p:set>
+                                      <p:cBhvr>
+                                        <p:cTn id="16" dur="1" fill="hold">
+                                          <p:stCondLst>
+                                            <p:cond delay="0"/>
+                                          </p:stCondLst>
+                                        </p:cTn>
+                                        <p:tgtEl>
+                                          <p:spTgt spid="9"/>
+                                        </p:tgtEl>
+                                        <p:attrNameLst>
+                                          <p:attrName>style.visibility</p:attrName>
+                                        </p:attrNameLst>
+                                      </p:cBhvr>
+                                      <p:to>
+                                        <p:strVal val="visible"/>
+                                      </p:to>
+                                    </p:set>
+                                  </p:childTnLst>
+                                </p:cTn>
+                              </p:par>
+                            </p:childTnLst>
+                          </p:cTn>
+                        </p:par>
+                      </p:childTnLst>
+                    </p:cTn>
+                  </p:par>
+                  <p:par>
+                    <p:cTn id="17" fill="hold">
+                      <p:stCondLst>
+                        <p:cond delay="indefinite"/>
+                      </p:stCondLst>
+                      <p:childTnLst>
+                        <p:par>
+                          <p:cTn id="18" fill="hold">
+                            <p:stCondLst>
+                              <p:cond delay="0"/>
+                            </p:stCondLst>
+                            <p:childTnLst>
+                              <p:par>
+                                <p:cTn id="19" presetID="1" presetClass="entr" presetSubtype="0" fill="hold" grpId="0" nodeType="clickEffect">
+                                  <p:stCondLst>
+                                    <p:cond delay="0"/>
+                                  </p:stCondLst>
+                                  <p:childTnLst>
+                                    <p:set>
+                                      <p:cBhvr>
+                                        <p:cTn id="20" dur="1" fill="hold">
+                                          <p:stCondLst>
+                                            <p:cond delay="0"/>
+                                          </p:stCondLst>
+                                        </p:cTn>
+                                        <p:tgtEl>
+                                          <p:spTgt spid="8"/>
+                                        </p:tgtEl>
+                                        <p:attrNameLst>
+                                          <p:attrName>style.visibility</p:attrName>
+                                        </p:attrNameLst>
+                                      </p:cBhvr>
+                                      <p:to>
+                                        <p:strVal val="visible"/>
+                                      </p:to>
+                                    </p:set>
+                                  </p:childTnLst>
+                                </p:cTn>
+                              </p:par>
+                              <p:par>
+                                <p:cTn id="21" presetID="1" presetClass="entr" presetSubtype="0" fill="hold" nodeType="withEffect">
+                                  <p:stCondLst>
+                                    <p:cond delay="0"/>
+                                  </p:stCondLst>
+                                  <p:childTnLst>
+                                    <p:set>
+                                      <p:cBhvr>
+                                        <p:cTn id="22" dur="1" fill="hold">
+                                          <p:stCondLst>
+                                            <p:cond delay="0"/>
+                                          </p:stCondLst>
+                                        </p:cTn>
+                                        <p:tgtEl>
+                                          <p:spTgt spid="11"/>
+                                        </p:tgtEl>
+                                        <p:attrNameLst>
+                                          <p:attrName>style.visibility</p:attrName>
+                                        </p:attrNameLst>
+                                      </p:cBhvr>
+                                      <p:to>
+                                        <p:strVal val="visible"/>
+                                      </p:to>
+                                    </p:set>
+                                  </p:childTnLst>
+                                </p:cTn>
+                              </p:par>
+                            </p:childTnLst>
+                          </p:cTn>
+                        </p:par>
+                      </p:childTnLst>
+                    </p:cTn>
+                  </p:par>
+                </p:childTnLst>
+              </p:cTn>
+              <p:prevCondLst>
+                <p:cond evt="onPrev" delay="0">
+                  <p:tgtEl>
+                    <p:sldTgt/>
+                  </p:tgtEl>
+                </p:cond>
+              </p:prevCondLst>
+              <p:nextCondLst>
+                <p:cond evt="onNext" delay="0">
+                  <p:tgtEl>
+                    <p:sldTgt/>
+                  </p:tgtEl>
+                </p:cond>
+              </p:nextCondLst>
+            </p:seq>
+          </p:childTnLst>
+        </p:cTn>
+      </p:par>
+    </p:tnLst>
+    <p:bldLst>
+      <p:bldP spid="4" grpId="0" animBg="1"/>
+      <p:bldP spid="6" grpId="0" animBg="1"/>
+      <p:bldP spid="7" grpId="0" animBg="1"/>
+      <p:bldP spid="8" grpId="0" animBg="1"/>
+    </p:bldLst>
+  </p:timing>
 </p:sld>
 </file>
 
 <file path=ppt/slides/slide8.xml><?xml version="1.0" encoding="utf-8"?>
+<p:sld xmlns:a="http://schemas.openxmlformats.org/drawingml/2006/main" xmlns:r="http://schemas.openxmlformats.org/officeDocument/2006/relationships" xmlns:p="http://schemas.openxmlformats.org/presentationml/2006/main">
+  <p:cSld>
+    <p:spTree>
+      <p:nvGrpSpPr>
+        <p:cNvPr id="1" name=""/>
+        <p:cNvGrpSpPr/>
+        <p:nvPr/>
+      </p:nvGrpSpPr>
+      <p:grpSpPr>
+        <a:xfrm>
+          <a:off x="0" y="0"/>
+          <a:ext cx="0" cy="0"/>
+          <a:chOff x="0" y="0"/>
+          <a:chExt cx="0" cy="0"/>
+        </a:xfrm>
+      </p:grpSpPr>
+      <p:sp>
+        <p:nvSpPr>
+          <p:cNvPr id="2" name="Title 1">
+            <a:extLst>
+              <a:ext uri="{FF2B5EF4-FFF2-40B4-BE49-F238E27FC236}">
+                <a16:creationId xmlns:a16="http://schemas.microsoft.com/office/drawing/2014/main" id="{41D0FA13-F74B-6092-4506-EB89FD94FA62}"/>
+              </a:ext>
+            </a:extLst>
+          </p:cNvPr>
+          <p:cNvSpPr>
+            <a:spLocks noGrp="1"/>
+          </p:cNvSpPr>
+          <p:nvPr>
+            <p:ph type="title"/>
+          </p:nvPr>
+        </p:nvSpPr>
+        <p:spPr/>
+        <p:txBody>
+          <a:bodyPr/>
+          <a:lstStyle/>
+          <a:p>
+            <a:r>
+              <a:rPr lang="en-CA" dirty="0"/>
+              <a:t>Process Flow</a:t>
+            </a:r>
+          </a:p>
+        </p:txBody>
+      </p:sp>
+      <p:pic>
+        <p:nvPicPr>
+          <p:cNvPr id="5" name="Content Placeholder 4">
+            <a:extLst>
+              <a:ext uri="{FF2B5EF4-FFF2-40B4-BE49-F238E27FC236}">
+                <a16:creationId xmlns:a16="http://schemas.microsoft.com/office/drawing/2014/main" id="{AB9F8D94-A307-83D1-88EB-6F1EE78E7D96}"/>
+              </a:ext>
+            </a:extLst>
+          </p:cNvPr>
+          <p:cNvPicPr>
+            <a:picLocks noGrp="1" noChangeAspect="1"/>
+          </p:cNvPicPr>
+          <p:nvPr>
+            <p:ph idx="1"/>
+          </p:nvPr>
+        </p:nvPicPr>
+        <p:blipFill>
+          <a:blip r:embed="rId2"/>
+          <a:stretch>
+            <a:fillRect/>
+          </a:stretch>
+        </p:blipFill>
+        <p:spPr>
+          <a:xfrm>
+            <a:off x="0" y="1451295"/>
+            <a:ext cx="12199568" cy="5406705"/>
+          </a:xfrm>
+        </p:spPr>
+      </p:pic>
+    </p:spTree>
+    <p:extLst>
+      <p:ext uri="{BB962C8B-B14F-4D97-AF65-F5344CB8AC3E}">
+        <p14:creationId xmlns:p14="http://schemas.microsoft.com/office/powerpoint/2010/main" val="4020038289"/>
+      </p:ext>
+    </p:extLst>
+  </p:cSld>
+  <p:clrMapOvr>
+    <a:masterClrMapping/>
+  </p:clrMapOvr>
+</p:sld>
+</file>
+
+<file path=ppt/slides/slide9.xml><?xml version="1.0" encoding="utf-8"?>
 <p:sld xmlns:a="http://schemas.openxmlformats.org/drawingml/2006/main" xmlns:r="http://schemas.openxmlformats.org/officeDocument/2006/relationships" xmlns:p="http://schemas.openxmlformats.org/presentationml/2006/main">
   <p:cSld>
     <p:spTree>
@@ -10334,7 +13302,7 @@
             <a:r>
               <a:rPr lang="en-CA" dirty="0">
                 <a:solidFill>
-                  <a:srgbClr val="FF0000"/>
+                  <a:srgbClr val="002060"/>
                 </a:solidFill>
               </a:rPr>
               <a:t>Best Last Adj R2: 0.081</a:t>
@@ -10352,439 +13320,111 @@
   <p:clrMapOvr>
     <a:masterClrMapping/>
   </p:clrMapOvr>
-</p:sld>
-</file>
-
-<file path=ppt/slides/slide9.xml><?xml version="1.0" encoding="utf-8"?>
-<p:sld xmlns:a="http://schemas.openxmlformats.org/drawingml/2006/main" xmlns:r="http://schemas.openxmlformats.org/officeDocument/2006/relationships" xmlns:p="http://schemas.openxmlformats.org/presentationml/2006/main">
-  <p:cSld>
-    <p:spTree>
-      <p:nvGrpSpPr>
-        <p:cNvPr id="1" name=""/>
-        <p:cNvGrpSpPr/>
-        <p:nvPr/>
-      </p:nvGrpSpPr>
-      <p:grpSpPr>
-        <a:xfrm>
-          <a:off x="0" y="0"/>
-          <a:ext cx="0" cy="0"/>
-          <a:chOff x="0" y="0"/>
-          <a:chExt cx="0" cy="0"/>
-        </a:xfrm>
-      </p:grpSpPr>
-      <p:sp>
-        <p:nvSpPr>
-          <p:cNvPr id="2" name="Title 1">
-            <a:extLst>
-              <a:ext uri="{FF2B5EF4-FFF2-40B4-BE49-F238E27FC236}">
-                <a16:creationId xmlns:a16="http://schemas.microsoft.com/office/drawing/2014/main" id="{2CC0D884-D999-6001-16BE-0FA5511FCC82}"/>
-              </a:ext>
-            </a:extLst>
-          </p:cNvPr>
-          <p:cNvSpPr>
-            <a:spLocks noGrp="1"/>
-          </p:cNvSpPr>
-          <p:nvPr>
-            <p:ph type="title"/>
-          </p:nvPr>
-        </p:nvSpPr>
-        <p:spPr/>
-        <p:txBody>
-          <a:bodyPr/>
-          <a:lstStyle/>
-          <a:p>
-            <a:r>
-              <a:rPr lang="en-CA" dirty="0"/>
-              <a:t>Forward Selection: Step 2</a:t>
-            </a:r>
-          </a:p>
-        </p:txBody>
-      </p:sp>
-      <p:sp>
-        <p:nvSpPr>
-          <p:cNvPr id="3" name="Content Placeholder 2">
-            <a:extLst>
-              <a:ext uri="{FF2B5EF4-FFF2-40B4-BE49-F238E27FC236}">
-                <a16:creationId xmlns:a16="http://schemas.microsoft.com/office/drawing/2014/main" id="{C926F912-8C69-A0E4-93C9-BC6D3C829BCD}"/>
-              </a:ext>
-            </a:extLst>
-          </p:cNvPr>
-          <p:cNvSpPr>
-            <a:spLocks noGrp="1"/>
-          </p:cNvSpPr>
-          <p:nvPr>
-            <p:ph idx="1"/>
-          </p:nvPr>
-        </p:nvSpPr>
-        <p:spPr/>
-        <p:txBody>
-          <a:bodyPr>
-            <a:normAutofit/>
-          </a:bodyPr>
-          <a:lstStyle/>
-          <a:p>
-            <a:r>
-              <a:rPr lang="en-CA" dirty="0"/>
-              <a:t>Step 2:  “# outdoor” and:</a:t>
-            </a:r>
-          </a:p>
-        </p:txBody>
-      </p:sp>
-      <p:graphicFrame>
-        <p:nvGraphicFramePr>
-          <p:cNvPr id="4" name="Table 3">
-            <a:extLst>
-              <a:ext uri="{FF2B5EF4-FFF2-40B4-BE49-F238E27FC236}">
-                <a16:creationId xmlns:a16="http://schemas.microsoft.com/office/drawing/2014/main" id="{9C2145AF-CAD0-B29F-F730-339325D4AA4A}"/>
-              </a:ext>
-            </a:extLst>
-          </p:cNvPr>
-          <p:cNvGraphicFramePr>
-            <a:graphicFrameLocks noGrp="1"/>
-          </p:cNvGraphicFramePr>
-          <p:nvPr>
-            <p:extLst>
-              <p:ext uri="{D42A27DB-BD31-4B8C-83A1-F6EECF244321}">
-                <p14:modId xmlns:p14="http://schemas.microsoft.com/office/powerpoint/2010/main" val="4061828565"/>
-              </p:ext>
-            </p:extLst>
-          </p:nvPr>
-        </p:nvGraphicFramePr>
-        <p:xfrm>
-          <a:off x="780175" y="2461965"/>
-          <a:ext cx="7047684" cy="2834640"/>
-        </p:xfrm>
-        <a:graphic>
-          <a:graphicData uri="http://schemas.openxmlformats.org/drawingml/2006/table">
-            <a:tbl>
-              <a:tblPr firstRow="1" bandRow="1">
-                <a:tableStyleId>{5C22544A-7EE6-4342-B048-85BDC9FD1C3A}</a:tableStyleId>
-              </a:tblPr>
-              <a:tblGrid>
-                <a:gridCol w="3523842">
-                  <a:extLst>
-                    <a:ext uri="{9D8B030D-6E8A-4147-A177-3AD203B41FA5}">
-                      <a16:colId xmlns:a16="http://schemas.microsoft.com/office/drawing/2014/main" val="37992778"/>
-                    </a:ext>
-                  </a:extLst>
-                </a:gridCol>
-                <a:gridCol w="3523842">
-                  <a:extLst>
-                    <a:ext uri="{9D8B030D-6E8A-4147-A177-3AD203B41FA5}">
-                      <a16:colId xmlns:a16="http://schemas.microsoft.com/office/drawing/2014/main" val="2160272003"/>
-                    </a:ext>
-                  </a:extLst>
-                </a:gridCol>
-              </a:tblGrid>
-              <a:tr h="565802">
-                <a:tc>
-                  <a:txBody>
-                    <a:bodyPr/>
-                    <a:lstStyle/>
-                    <a:p>
-                      <a:r>
-                        <a:rPr lang="en-CA" dirty="0"/>
-                        <a:t>Candidates for additional x</a:t>
-                      </a:r>
-                      <a:br>
-                        <a:rPr lang="en-CA" dirty="0"/>
-                      </a:br>
-                      <a:r>
-                        <a:rPr lang="en-CA" dirty="0"/>
-                        <a:t>(all within 1 km radius)</a:t>
-                      </a:r>
-                    </a:p>
-                  </a:txBody>
-                  <a:tcPr/>
-                </a:tc>
-                <a:tc>
-                  <a:txBody>
-                    <a:bodyPr/>
-                    <a:lstStyle/>
-                    <a:p>
-                      <a:r>
-                        <a:rPr lang="en-CA" dirty="0"/>
-                        <a:t>Adjusted R Squared</a:t>
-                      </a:r>
-                    </a:p>
-                  </a:txBody>
-                  <a:tcPr/>
-                </a:tc>
-                <a:extLst>
-                  <a:ext uri="{0D108BD9-81ED-4DB2-BD59-A6C34878D82A}">
-                    <a16:rowId xmlns:a16="http://schemas.microsoft.com/office/drawing/2014/main" val="3890636265"/>
-                  </a:ext>
-                </a:extLst>
-              </a:tr>
-              <a:tr h="327806">
-                <a:tc>
-                  <a:txBody>
-                    <a:bodyPr/>
-                    <a:lstStyle/>
-                    <a:p>
-                      <a:r>
-                        <a:rPr lang="en-CA" dirty="0"/>
-                        <a:t># </a:t>
-                      </a:r>
-                      <a:r>
-                        <a:rPr lang="en-CA" dirty="0" err="1"/>
-                        <a:t>accoms</a:t>
-                      </a:r>
-                      <a:endParaRPr lang="en-CA" dirty="0"/>
-                    </a:p>
-                  </a:txBody>
-                  <a:tcPr/>
-                </a:tc>
-                <a:tc>
-                  <a:txBody>
-                    <a:bodyPr/>
-                    <a:lstStyle/>
-                    <a:p>
-                      <a:r>
-                        <a:rPr lang="en-CA" dirty="0"/>
-                        <a:t>0.081</a:t>
-                      </a:r>
-                    </a:p>
-                  </a:txBody>
-                  <a:tcPr/>
-                </a:tc>
-                <a:extLst>
-                  <a:ext uri="{0D108BD9-81ED-4DB2-BD59-A6C34878D82A}">
-                    <a16:rowId xmlns:a16="http://schemas.microsoft.com/office/drawing/2014/main" val="3149747660"/>
-                  </a:ext>
-                </a:extLst>
-              </a:tr>
-              <a:tr h="327806">
-                <a:tc>
-                  <a:txBody>
-                    <a:bodyPr/>
-                    <a:lstStyle/>
-                    <a:p>
-                      <a:r>
-                        <a:rPr lang="en-CA" dirty="0"/>
-                        <a:t># </a:t>
-                      </a:r>
-                      <a:r>
-                        <a:rPr lang="en-CA" dirty="0" err="1"/>
-                        <a:t>biketrail</a:t>
-                      </a:r>
-                      <a:endParaRPr lang="en-CA" dirty="0"/>
-                    </a:p>
-                  </a:txBody>
-                  <a:tcPr/>
-                </a:tc>
-                <a:tc>
-                  <a:txBody>
-                    <a:bodyPr/>
-                    <a:lstStyle/>
-                    <a:p>
-                      <a:r>
-                        <a:rPr lang="en-CA" dirty="0"/>
-                        <a:t>0.080</a:t>
-                      </a:r>
-                    </a:p>
-                  </a:txBody>
-                  <a:tcPr/>
-                </a:tc>
-                <a:extLst>
-                  <a:ext uri="{0D108BD9-81ED-4DB2-BD59-A6C34878D82A}">
-                    <a16:rowId xmlns:a16="http://schemas.microsoft.com/office/drawing/2014/main" val="1217681240"/>
-                  </a:ext>
-                </a:extLst>
-              </a:tr>
-              <a:tr h="327806">
-                <a:tc>
-                  <a:txBody>
-                    <a:bodyPr/>
-                    <a:lstStyle/>
-                    <a:p>
-                      <a:r>
-                        <a:rPr lang="en-CA" dirty="0"/>
-                        <a:t># park</a:t>
-                      </a:r>
-                    </a:p>
-                  </a:txBody>
-                  <a:tcPr/>
-                </a:tc>
-                <a:tc>
-                  <a:txBody>
-                    <a:bodyPr/>
-                    <a:lstStyle/>
-                    <a:p>
-                      <a:r>
-                        <a:rPr lang="en-CA" dirty="0"/>
-                        <a:t>0.088</a:t>
-                      </a:r>
-                    </a:p>
-                  </a:txBody>
-                  <a:tcPr/>
-                </a:tc>
-                <a:extLst>
-                  <a:ext uri="{0D108BD9-81ED-4DB2-BD59-A6C34878D82A}">
-                    <a16:rowId xmlns:a16="http://schemas.microsoft.com/office/drawing/2014/main" val="2672040529"/>
-                  </a:ext>
-                </a:extLst>
-              </a:tr>
-              <a:tr h="327806">
-                <a:tc>
-                  <a:txBody>
-                    <a:bodyPr/>
-                    <a:lstStyle/>
-                    <a:p>
-                      <a:r>
-                        <a:rPr lang="en-CA" dirty="0"/>
-                        <a:t># sightsee</a:t>
-                      </a:r>
-                    </a:p>
-                  </a:txBody>
-                  <a:tcPr/>
-                </a:tc>
-                <a:tc>
-                  <a:txBody>
-                    <a:bodyPr/>
-                    <a:lstStyle/>
-                    <a:p>
-                      <a:r>
-                        <a:rPr lang="en-CA" dirty="0"/>
-                        <a:t>0.077</a:t>
-                      </a:r>
-                    </a:p>
-                  </a:txBody>
-                  <a:tcPr/>
-                </a:tc>
-                <a:extLst>
-                  <a:ext uri="{0D108BD9-81ED-4DB2-BD59-A6C34878D82A}">
-                    <a16:rowId xmlns:a16="http://schemas.microsoft.com/office/drawing/2014/main" val="2323637407"/>
-                  </a:ext>
-                </a:extLst>
-              </a:tr>
-              <a:tr h="327806">
-                <a:tc>
-                  <a:txBody>
-                    <a:bodyPr/>
-                    <a:lstStyle/>
-                    <a:p>
-                      <a:r>
-                        <a:rPr lang="en-CA" dirty="0"/>
-                        <a:t># snack</a:t>
-                      </a:r>
-                    </a:p>
-                  </a:txBody>
-                  <a:tcPr/>
-                </a:tc>
-                <a:tc>
-                  <a:txBody>
-                    <a:bodyPr/>
-                    <a:lstStyle/>
-                    <a:p>
-                      <a:r>
-                        <a:rPr lang="en-CA" dirty="0">
-                          <a:solidFill>
-                            <a:srgbClr val="FF0000"/>
-                          </a:solidFill>
-                        </a:rPr>
-                        <a:t>0.100</a:t>
-                      </a:r>
-                    </a:p>
-                  </a:txBody>
-                  <a:tcPr/>
-                </a:tc>
-                <a:extLst>
-                  <a:ext uri="{0D108BD9-81ED-4DB2-BD59-A6C34878D82A}">
-                    <a16:rowId xmlns:a16="http://schemas.microsoft.com/office/drawing/2014/main" val="2933632137"/>
-                  </a:ext>
-                </a:extLst>
-              </a:tr>
-              <a:tr h="327806">
-                <a:tc>
-                  <a:txBody>
-                    <a:bodyPr/>
-                    <a:lstStyle/>
-                    <a:p>
-                      <a:r>
-                        <a:rPr lang="en-CA" dirty="0" err="1"/>
-                        <a:t>min_distance</a:t>
-                      </a:r>
-                      <a:r>
-                        <a:rPr lang="en-CA" dirty="0"/>
-                        <a:t> to nearest POI</a:t>
-                      </a:r>
-                    </a:p>
-                  </a:txBody>
-                  <a:tcPr/>
-                </a:tc>
-                <a:tc>
-                  <a:txBody>
-                    <a:bodyPr/>
-                    <a:lstStyle/>
-                    <a:p>
-                      <a:r>
-                        <a:rPr lang="en-CA" dirty="0"/>
-                        <a:t>0.083</a:t>
-                      </a:r>
-                    </a:p>
-                  </a:txBody>
-                  <a:tcPr/>
-                </a:tc>
-                <a:extLst>
-                  <a:ext uri="{0D108BD9-81ED-4DB2-BD59-A6C34878D82A}">
-                    <a16:rowId xmlns:a16="http://schemas.microsoft.com/office/drawing/2014/main" val="1651942425"/>
-                  </a:ext>
-                </a:extLst>
-              </a:tr>
-            </a:tbl>
-          </a:graphicData>
-        </a:graphic>
-      </p:graphicFrame>
-      <p:sp>
-        <p:nvSpPr>
-          <p:cNvPr id="5" name="TextBox 4">
-            <a:extLst>
-              <a:ext uri="{FF2B5EF4-FFF2-40B4-BE49-F238E27FC236}">
-                <a16:creationId xmlns:a16="http://schemas.microsoft.com/office/drawing/2014/main" id="{249D272B-6F75-9B2E-04EB-B1A493149648}"/>
-              </a:ext>
-            </a:extLst>
-          </p:cNvPr>
-          <p:cNvSpPr txBox="1"/>
-          <p:nvPr/>
-        </p:nvSpPr>
-        <p:spPr>
-          <a:xfrm>
-            <a:off x="385894" y="5942568"/>
-            <a:ext cx="2589812" cy="369332"/>
-          </a:xfrm>
-          <a:prstGeom prst="rect">
-            <a:avLst/>
-          </a:prstGeom>
-          <a:noFill/>
-        </p:spPr>
-        <p:txBody>
-          <a:bodyPr wrap="none" rtlCol="0">
-            <a:spAutoFit/>
-          </a:bodyPr>
-          <a:lstStyle/>
-          <a:p>
-            <a:r>
-              <a:rPr lang="en-CA" dirty="0">
-                <a:solidFill>
-                  <a:srgbClr val="FF0000"/>
-                </a:solidFill>
-              </a:rPr>
-              <a:t>Best Last Adj R2: 0.100</a:t>
-            </a:r>
-          </a:p>
-        </p:txBody>
-      </p:sp>
-    </p:spTree>
-    <p:extLst>
-      <p:ext uri="{BB962C8B-B14F-4D97-AF65-F5344CB8AC3E}">
-        <p14:creationId xmlns:p14="http://schemas.microsoft.com/office/powerpoint/2010/main" val="1470355721"/>
-      </p:ext>
-    </p:extLst>
-  </p:cSld>
-  <p:clrMapOvr>
-    <a:masterClrMapping/>
-  </p:clrMapOvr>
+  <p:timing>
+    <p:tnLst>
+      <p:par>
+        <p:cTn id="1" dur="indefinite" restart="never" nodeType="tmRoot">
+          <p:childTnLst>
+            <p:seq concurrent="1" nextAc="seek">
+              <p:cTn id="2" dur="indefinite" nodeType="mainSeq">
+                <p:childTnLst>
+                  <p:par>
+                    <p:cTn id="3" fill="hold">
+                      <p:stCondLst>
+                        <p:cond delay="indefinite"/>
+                      </p:stCondLst>
+                      <p:childTnLst>
+                        <p:par>
+                          <p:cTn id="4" fill="hold">
+                            <p:stCondLst>
+                              <p:cond delay="0"/>
+                            </p:stCondLst>
+                            <p:childTnLst>
+                              <p:par>
+                                <p:cTn id="5" presetID="1" presetClass="entr" presetSubtype="0" fill="hold" nodeType="clickEffect">
+                                  <p:stCondLst>
+                                    <p:cond delay="0"/>
+                                  </p:stCondLst>
+                                  <p:childTnLst>
+                                    <p:set>
+                                      <p:cBhvr>
+                                        <p:cTn id="6" dur="1" fill="hold">
+                                          <p:stCondLst>
+                                            <p:cond delay="0"/>
+                                          </p:stCondLst>
+                                        </p:cTn>
+                                        <p:tgtEl>
+                                          <p:spTgt spid="4"/>
+                                        </p:tgtEl>
+                                        <p:attrNameLst>
+                                          <p:attrName>style.visibility</p:attrName>
+                                        </p:attrNameLst>
+                                      </p:cBhvr>
+                                      <p:to>
+                                        <p:strVal val="visible"/>
+                                      </p:to>
+                                    </p:set>
+                                  </p:childTnLst>
+                                </p:cTn>
+                              </p:par>
+                              <p:par>
+                                <p:cTn id="7" presetID="1" presetClass="entr" presetSubtype="0" fill="hold" grpId="0" nodeType="withEffect">
+                                  <p:stCondLst>
+                                    <p:cond delay="0"/>
+                                  </p:stCondLst>
+                                  <p:childTnLst>
+                                    <p:set>
+                                      <p:cBhvr>
+                                        <p:cTn id="8" dur="1" fill="hold">
+                                          <p:stCondLst>
+                                            <p:cond delay="0"/>
+                                          </p:stCondLst>
+                                        </p:cTn>
+                                        <p:tgtEl>
+                                          <p:spTgt spid="5"/>
+                                        </p:tgtEl>
+                                        <p:attrNameLst>
+                                          <p:attrName>style.visibility</p:attrName>
+                                        </p:attrNameLst>
+                                      </p:cBhvr>
+                                      <p:to>
+                                        <p:strVal val="visible"/>
+                                      </p:to>
+                                    </p:set>
+                                  </p:childTnLst>
+                                </p:cTn>
+                              </p:par>
+                            </p:childTnLst>
+                          </p:cTn>
+                        </p:par>
+                      </p:childTnLst>
+                    </p:cTn>
+                  </p:par>
+                </p:childTnLst>
+              </p:cTn>
+              <p:prevCondLst>
+                <p:cond evt="onPrev" delay="0">
+                  <p:tgtEl>
+                    <p:sldTgt/>
+                  </p:tgtEl>
+                </p:cond>
+              </p:prevCondLst>
+              <p:nextCondLst>
+                <p:cond evt="onNext" delay="0">
+                  <p:tgtEl>
+                    <p:sldTgt/>
+                  </p:tgtEl>
+                </p:cond>
+              </p:nextCondLst>
+            </p:seq>
+          </p:childTnLst>
+        </p:cTn>
+      </p:par>
+    </p:tnLst>
+    <p:bldLst>
+      <p:bldP spid="5" grpId="0"/>
+    </p:bldLst>
+  </p:timing>
 </p:sld>
 </file>
 
